--- a/CEC300/Stark_Presentation.pptx
+++ b/CEC300/Stark_Presentation.pptx
@@ -4,8 +4,14 @@
   <p:sldMasterIdLst>
     <p:sldMasterId id="2147483648" r:id="rId1"/>
   </p:sldMasterIdLst>
+  <p:notesMasterIdLst>
+    <p:notesMasterId r:id="rId6"/>
+  </p:notesMasterIdLst>
   <p:sldIdLst>
     <p:sldId id="256" r:id="rId2"/>
+    <p:sldId id="257" r:id="rId3"/>
+    <p:sldId id="258" r:id="rId4"/>
+    <p:sldId id="259" r:id="rId5"/>
   </p:sldIdLst>
   <p:sldSz cx="12192000" cy="6858000"/>
   <p:notesSz cx="6858000" cy="9144000"/>
@@ -104,7 +110,555 @@
       </a:defRPr>
     </a:lvl9pPr>
   </p:defaultTextStyle>
+  <p:extLst>
+    <p:ext uri="{EFAFB233-063F-42B5-8137-9DF3F51BA10A}">
+      <p15:sldGuideLst xmlns:p15="http://schemas.microsoft.com/office/powerpoint/2012/main"/>
+    </p:ext>
+  </p:extLst>
 </p:presentation>
+</file>
+
+<file path=ppt/notesMasters/notesMaster1.xml><?xml version="1.0" encoding="utf-8"?>
+<p:notesMaster xmlns:a="http://schemas.openxmlformats.org/drawingml/2006/main" xmlns:r="http://schemas.openxmlformats.org/officeDocument/2006/relationships" xmlns:p="http://schemas.openxmlformats.org/presentationml/2006/main">
+  <p:cSld>
+    <p:bg>
+      <p:bgRef idx="1001">
+        <a:schemeClr val="bg1"/>
+      </p:bgRef>
+    </p:bg>
+    <p:spTree>
+      <p:nvGrpSpPr>
+        <p:cNvPr id="1" name=""/>
+        <p:cNvGrpSpPr/>
+        <p:nvPr/>
+      </p:nvGrpSpPr>
+      <p:grpSpPr>
+        <a:xfrm>
+          <a:off x="0" y="0"/>
+          <a:ext cx="0" cy="0"/>
+          <a:chOff x="0" y="0"/>
+          <a:chExt cx="0" cy="0"/>
+        </a:xfrm>
+      </p:grpSpPr>
+      <p:sp>
+        <p:nvSpPr>
+          <p:cNvPr id="2" name="Header Placeholder 1"/>
+          <p:cNvSpPr>
+            <a:spLocks noGrp="1"/>
+          </p:cNvSpPr>
+          <p:nvPr>
+            <p:ph type="hdr" sz="quarter"/>
+          </p:nvPr>
+        </p:nvSpPr>
+        <p:spPr>
+          <a:xfrm>
+            <a:off x="0" y="0"/>
+            <a:ext cx="2971800" cy="458788"/>
+          </a:xfrm>
+          <a:prstGeom prst="rect">
+            <a:avLst/>
+          </a:prstGeom>
+        </p:spPr>
+        <p:txBody>
+          <a:bodyPr vert="horz" lIns="91440" tIns="45720" rIns="91440" bIns="45720" rtlCol="0"/>
+          <a:lstStyle>
+            <a:lvl1pPr algn="l">
+              <a:defRPr sz="1200"/>
+            </a:lvl1pPr>
+          </a:lstStyle>
+          <a:p>
+            <a:endParaRPr lang="en-US"/>
+          </a:p>
+        </p:txBody>
+      </p:sp>
+      <p:sp>
+        <p:nvSpPr>
+          <p:cNvPr id="3" name="Date Placeholder 2"/>
+          <p:cNvSpPr>
+            <a:spLocks noGrp="1"/>
+          </p:cNvSpPr>
+          <p:nvPr>
+            <p:ph type="dt" idx="1"/>
+          </p:nvPr>
+        </p:nvSpPr>
+        <p:spPr>
+          <a:xfrm>
+            <a:off x="3884613" y="0"/>
+            <a:ext cx="2971800" cy="458788"/>
+          </a:xfrm>
+          <a:prstGeom prst="rect">
+            <a:avLst/>
+          </a:prstGeom>
+        </p:spPr>
+        <p:txBody>
+          <a:bodyPr vert="horz" lIns="91440" tIns="45720" rIns="91440" bIns="45720" rtlCol="0"/>
+          <a:lstStyle>
+            <a:lvl1pPr algn="r">
+              <a:defRPr sz="1200"/>
+            </a:lvl1pPr>
+          </a:lstStyle>
+          <a:p>
+            <a:fld id="{C1768EB4-BDE3-480F-B50A-8C1E950C0129}" type="datetimeFigureOut">
+              <a:rPr lang="en-US" smtClean="0"/>
+              <a:t>10/27/2019</a:t>
+            </a:fld>
+            <a:endParaRPr lang="en-US"/>
+          </a:p>
+        </p:txBody>
+      </p:sp>
+      <p:sp>
+        <p:nvSpPr>
+          <p:cNvPr id="4" name="Slide Image Placeholder 3"/>
+          <p:cNvSpPr>
+            <a:spLocks noGrp="1" noRot="1" noChangeAspect="1"/>
+          </p:cNvSpPr>
+          <p:nvPr>
+            <p:ph type="sldImg" idx="2"/>
+          </p:nvPr>
+        </p:nvSpPr>
+        <p:spPr>
+          <a:xfrm>
+            <a:off x="685800" y="1143000"/>
+            <a:ext cx="5486400" cy="3086100"/>
+          </a:xfrm>
+          <a:prstGeom prst="rect">
+            <a:avLst/>
+          </a:prstGeom>
+          <a:noFill/>
+          <a:ln w="12700">
+            <a:solidFill>
+              <a:prstClr val="black"/>
+            </a:solidFill>
+          </a:ln>
+        </p:spPr>
+        <p:txBody>
+          <a:bodyPr vert="horz" lIns="91440" tIns="45720" rIns="91440" bIns="45720" rtlCol="0" anchor="ctr"/>
+          <a:lstStyle/>
+          <a:p>
+            <a:endParaRPr lang="en-US"/>
+          </a:p>
+        </p:txBody>
+      </p:sp>
+      <p:sp>
+        <p:nvSpPr>
+          <p:cNvPr id="5" name="Notes Placeholder 4"/>
+          <p:cNvSpPr>
+            <a:spLocks noGrp="1"/>
+          </p:cNvSpPr>
+          <p:nvPr>
+            <p:ph type="body" sz="quarter" idx="3"/>
+          </p:nvPr>
+        </p:nvSpPr>
+        <p:spPr>
+          <a:xfrm>
+            <a:off x="685800" y="4400550"/>
+            <a:ext cx="5486400" cy="3600450"/>
+          </a:xfrm>
+          <a:prstGeom prst="rect">
+            <a:avLst/>
+          </a:prstGeom>
+        </p:spPr>
+        <p:txBody>
+          <a:bodyPr vert="horz" lIns="91440" tIns="45720" rIns="91440" bIns="45720" rtlCol="0"/>
+          <a:lstStyle/>
+          <a:p>
+            <a:pPr lvl="0"/>
+            <a:r>
+              <a:rPr lang="en-US"/>
+              <a:t>Click to edit Master text styles</a:t>
+            </a:r>
+          </a:p>
+          <a:p>
+            <a:pPr lvl="1"/>
+            <a:r>
+              <a:rPr lang="en-US"/>
+              <a:t>Second level</a:t>
+            </a:r>
+          </a:p>
+          <a:p>
+            <a:pPr lvl="2"/>
+            <a:r>
+              <a:rPr lang="en-US"/>
+              <a:t>Third level</a:t>
+            </a:r>
+          </a:p>
+          <a:p>
+            <a:pPr lvl="3"/>
+            <a:r>
+              <a:rPr lang="en-US"/>
+              <a:t>Fourth level</a:t>
+            </a:r>
+          </a:p>
+          <a:p>
+            <a:pPr lvl="4"/>
+            <a:r>
+              <a:rPr lang="en-US"/>
+              <a:t>Fifth level</a:t>
+            </a:r>
+          </a:p>
+        </p:txBody>
+      </p:sp>
+      <p:sp>
+        <p:nvSpPr>
+          <p:cNvPr id="6" name="Footer Placeholder 5"/>
+          <p:cNvSpPr>
+            <a:spLocks noGrp="1"/>
+          </p:cNvSpPr>
+          <p:nvPr>
+            <p:ph type="ftr" sz="quarter" idx="4"/>
+          </p:nvPr>
+        </p:nvSpPr>
+        <p:spPr>
+          <a:xfrm>
+            <a:off x="0" y="8685213"/>
+            <a:ext cx="2971800" cy="458787"/>
+          </a:xfrm>
+          <a:prstGeom prst="rect">
+            <a:avLst/>
+          </a:prstGeom>
+        </p:spPr>
+        <p:txBody>
+          <a:bodyPr vert="horz" lIns="91440" tIns="45720" rIns="91440" bIns="45720" rtlCol="0" anchor="b"/>
+          <a:lstStyle>
+            <a:lvl1pPr algn="l">
+              <a:defRPr sz="1200"/>
+            </a:lvl1pPr>
+          </a:lstStyle>
+          <a:p>
+            <a:endParaRPr lang="en-US"/>
+          </a:p>
+        </p:txBody>
+      </p:sp>
+      <p:sp>
+        <p:nvSpPr>
+          <p:cNvPr id="7" name="Slide Number Placeholder 6"/>
+          <p:cNvSpPr>
+            <a:spLocks noGrp="1"/>
+          </p:cNvSpPr>
+          <p:nvPr>
+            <p:ph type="sldNum" sz="quarter" idx="5"/>
+          </p:nvPr>
+        </p:nvSpPr>
+        <p:spPr>
+          <a:xfrm>
+            <a:off x="3884613" y="8685213"/>
+            <a:ext cx="2971800" cy="458787"/>
+          </a:xfrm>
+          <a:prstGeom prst="rect">
+            <a:avLst/>
+          </a:prstGeom>
+        </p:spPr>
+        <p:txBody>
+          <a:bodyPr vert="horz" lIns="91440" tIns="45720" rIns="91440" bIns="45720" rtlCol="0" anchor="b"/>
+          <a:lstStyle>
+            <a:lvl1pPr algn="r">
+              <a:defRPr sz="1200"/>
+            </a:lvl1pPr>
+          </a:lstStyle>
+          <a:p>
+            <a:fld id="{81A8DCB4-F112-449C-8FC9-9957A995D8FF}" type="slidenum">
+              <a:rPr lang="en-US" smtClean="0"/>
+              <a:t>‹#›</a:t>
+            </a:fld>
+            <a:endParaRPr lang="en-US"/>
+          </a:p>
+        </p:txBody>
+      </p:sp>
+    </p:spTree>
+    <p:extLst>
+      <p:ext uri="{BB962C8B-B14F-4D97-AF65-F5344CB8AC3E}">
+        <p14:creationId xmlns:p14="http://schemas.microsoft.com/office/powerpoint/2010/main" val="2535535718"/>
+      </p:ext>
+    </p:extLst>
+  </p:cSld>
+  <p:clrMap bg1="lt1" tx1="dk1" bg2="lt2" tx2="dk2" accent1="accent1" accent2="accent2" accent3="accent3" accent4="accent4" accent5="accent5" accent6="accent6" hlink="hlink" folHlink="folHlink"/>
+  <p:notesStyle>
+    <a:lvl1pPr marL="0" algn="l" defTabSz="914400" rtl="0" eaLnBrk="1" latinLnBrk="0" hangingPunct="1">
+      <a:defRPr sz="1200" kern="1200">
+        <a:solidFill>
+          <a:schemeClr val="tx1"/>
+        </a:solidFill>
+        <a:latin typeface="+mn-lt"/>
+        <a:ea typeface="+mn-ea"/>
+        <a:cs typeface="+mn-cs"/>
+      </a:defRPr>
+    </a:lvl1pPr>
+    <a:lvl2pPr marL="457200" algn="l" defTabSz="914400" rtl="0" eaLnBrk="1" latinLnBrk="0" hangingPunct="1">
+      <a:defRPr sz="1200" kern="1200">
+        <a:solidFill>
+          <a:schemeClr val="tx1"/>
+        </a:solidFill>
+        <a:latin typeface="+mn-lt"/>
+        <a:ea typeface="+mn-ea"/>
+        <a:cs typeface="+mn-cs"/>
+      </a:defRPr>
+    </a:lvl2pPr>
+    <a:lvl3pPr marL="914400" algn="l" defTabSz="914400" rtl="0" eaLnBrk="1" latinLnBrk="0" hangingPunct="1">
+      <a:defRPr sz="1200" kern="1200">
+        <a:solidFill>
+          <a:schemeClr val="tx1"/>
+        </a:solidFill>
+        <a:latin typeface="+mn-lt"/>
+        <a:ea typeface="+mn-ea"/>
+        <a:cs typeface="+mn-cs"/>
+      </a:defRPr>
+    </a:lvl3pPr>
+    <a:lvl4pPr marL="1371600" algn="l" defTabSz="914400" rtl="0" eaLnBrk="1" latinLnBrk="0" hangingPunct="1">
+      <a:defRPr sz="1200" kern="1200">
+        <a:solidFill>
+          <a:schemeClr val="tx1"/>
+        </a:solidFill>
+        <a:latin typeface="+mn-lt"/>
+        <a:ea typeface="+mn-ea"/>
+        <a:cs typeface="+mn-cs"/>
+      </a:defRPr>
+    </a:lvl4pPr>
+    <a:lvl5pPr marL="1828800" algn="l" defTabSz="914400" rtl="0" eaLnBrk="1" latinLnBrk="0" hangingPunct="1">
+      <a:defRPr sz="1200" kern="1200">
+        <a:solidFill>
+          <a:schemeClr val="tx1"/>
+        </a:solidFill>
+        <a:latin typeface="+mn-lt"/>
+        <a:ea typeface="+mn-ea"/>
+        <a:cs typeface="+mn-cs"/>
+      </a:defRPr>
+    </a:lvl5pPr>
+    <a:lvl6pPr marL="2286000" algn="l" defTabSz="914400" rtl="0" eaLnBrk="1" latinLnBrk="0" hangingPunct="1">
+      <a:defRPr sz="1200" kern="1200">
+        <a:solidFill>
+          <a:schemeClr val="tx1"/>
+        </a:solidFill>
+        <a:latin typeface="+mn-lt"/>
+        <a:ea typeface="+mn-ea"/>
+        <a:cs typeface="+mn-cs"/>
+      </a:defRPr>
+    </a:lvl6pPr>
+    <a:lvl7pPr marL="2743200" algn="l" defTabSz="914400" rtl="0" eaLnBrk="1" latinLnBrk="0" hangingPunct="1">
+      <a:defRPr sz="1200" kern="1200">
+        <a:solidFill>
+          <a:schemeClr val="tx1"/>
+        </a:solidFill>
+        <a:latin typeface="+mn-lt"/>
+        <a:ea typeface="+mn-ea"/>
+        <a:cs typeface="+mn-cs"/>
+      </a:defRPr>
+    </a:lvl7pPr>
+    <a:lvl8pPr marL="3200400" algn="l" defTabSz="914400" rtl="0" eaLnBrk="1" latinLnBrk="0" hangingPunct="1">
+      <a:defRPr sz="1200" kern="1200">
+        <a:solidFill>
+          <a:schemeClr val="tx1"/>
+        </a:solidFill>
+        <a:latin typeface="+mn-lt"/>
+        <a:ea typeface="+mn-ea"/>
+        <a:cs typeface="+mn-cs"/>
+      </a:defRPr>
+    </a:lvl8pPr>
+    <a:lvl9pPr marL="3657600" algn="l" defTabSz="914400" rtl="0" eaLnBrk="1" latinLnBrk="0" hangingPunct="1">
+      <a:defRPr sz="1200" kern="1200">
+        <a:solidFill>
+          <a:schemeClr val="tx1"/>
+        </a:solidFill>
+        <a:latin typeface="+mn-lt"/>
+        <a:ea typeface="+mn-ea"/>
+        <a:cs typeface="+mn-cs"/>
+      </a:defRPr>
+    </a:lvl9pPr>
+  </p:notesStyle>
+</p:notesMaster>
+</file>
+
+<file path=ppt/notesSlides/notesSlide1.xml><?xml version="1.0" encoding="utf-8"?>
+<p:notes xmlns:a="http://schemas.openxmlformats.org/drawingml/2006/main" xmlns:r="http://schemas.openxmlformats.org/officeDocument/2006/relationships" xmlns:p="http://schemas.openxmlformats.org/presentationml/2006/main">
+  <p:cSld>
+    <p:spTree>
+      <p:nvGrpSpPr>
+        <p:cNvPr id="1" name=""/>
+        <p:cNvGrpSpPr/>
+        <p:nvPr/>
+      </p:nvGrpSpPr>
+      <p:grpSpPr>
+        <a:xfrm>
+          <a:off x="0" y="0"/>
+          <a:ext cx="0" cy="0"/>
+          <a:chOff x="0" y="0"/>
+          <a:chExt cx="0" cy="0"/>
+        </a:xfrm>
+      </p:grpSpPr>
+      <p:sp>
+        <p:nvSpPr>
+          <p:cNvPr id="2" name="Slide Image Placeholder 1"/>
+          <p:cNvSpPr>
+            <a:spLocks noGrp="1" noRot="1" noChangeAspect="1"/>
+          </p:cNvSpPr>
+          <p:nvPr>
+            <p:ph type="sldImg"/>
+          </p:nvPr>
+        </p:nvSpPr>
+        <p:spPr/>
+      </p:sp>
+      <p:sp>
+        <p:nvSpPr>
+          <p:cNvPr id="3" name="Notes Placeholder 2"/>
+          <p:cNvSpPr>
+            <a:spLocks noGrp="1"/>
+          </p:cNvSpPr>
+          <p:nvPr>
+            <p:ph type="body" idx="1"/>
+          </p:nvPr>
+        </p:nvSpPr>
+        <p:spPr/>
+        <p:txBody>
+          <a:bodyPr/>
+          <a:lstStyle/>
+          <a:p>
+            <a:r>
+              <a:rPr lang="en-US" dirty="0"/>
+              <a:t>Flight was traveling from John F Kennedy Airport to Leonardo Da Vinci Airport with a stopover in at Charles De Gaulle Airport</a:t>
+            </a:r>
+          </a:p>
+        </p:txBody>
+      </p:sp>
+      <p:sp>
+        <p:nvSpPr>
+          <p:cNvPr id="4" name="Slide Number Placeholder 3"/>
+          <p:cNvSpPr>
+            <a:spLocks noGrp="1"/>
+          </p:cNvSpPr>
+          <p:nvPr>
+            <p:ph type="sldNum" sz="quarter" idx="5"/>
+          </p:nvPr>
+        </p:nvSpPr>
+        <p:spPr/>
+        <p:txBody>
+          <a:bodyPr/>
+          <a:lstStyle/>
+          <a:p>
+            <a:fld id="{81A8DCB4-F112-449C-8FC9-9957A995D8FF}" type="slidenum">
+              <a:rPr lang="en-US" smtClean="0"/>
+              <a:t>2</a:t>
+            </a:fld>
+            <a:endParaRPr lang="en-US"/>
+          </a:p>
+        </p:txBody>
+      </p:sp>
+    </p:spTree>
+    <p:extLst>
+      <p:ext uri="{BB962C8B-B14F-4D97-AF65-F5344CB8AC3E}">
+        <p14:creationId xmlns:p14="http://schemas.microsoft.com/office/powerpoint/2010/main" val="2146659181"/>
+      </p:ext>
+    </p:extLst>
+  </p:cSld>
+  <p:clrMapOvr>
+    <a:masterClrMapping/>
+  </p:clrMapOvr>
+</p:notes>
+</file>
+
+<file path=ppt/notesSlides/notesSlide2.xml><?xml version="1.0" encoding="utf-8"?>
+<p:notes xmlns:a="http://schemas.openxmlformats.org/drawingml/2006/main" xmlns:r="http://schemas.openxmlformats.org/officeDocument/2006/relationships" xmlns:p="http://schemas.openxmlformats.org/presentationml/2006/main">
+  <p:cSld>
+    <p:spTree>
+      <p:nvGrpSpPr>
+        <p:cNvPr id="1" name=""/>
+        <p:cNvGrpSpPr/>
+        <p:nvPr/>
+      </p:nvGrpSpPr>
+      <p:grpSpPr>
+        <a:xfrm>
+          <a:off x="0" y="0"/>
+          <a:ext cx="0" cy="0"/>
+          <a:chOff x="0" y="0"/>
+          <a:chExt cx="0" cy="0"/>
+        </a:xfrm>
+      </p:grpSpPr>
+      <p:sp>
+        <p:nvSpPr>
+          <p:cNvPr id="2" name="Slide Image Placeholder 1"/>
+          <p:cNvSpPr>
+            <a:spLocks noGrp="1" noRot="1" noChangeAspect="1"/>
+          </p:cNvSpPr>
+          <p:nvPr>
+            <p:ph type="sldImg"/>
+          </p:nvPr>
+        </p:nvSpPr>
+        <p:spPr/>
+      </p:sp>
+      <p:sp>
+        <p:nvSpPr>
+          <p:cNvPr id="3" name="Notes Placeholder 2"/>
+          <p:cNvSpPr>
+            <a:spLocks noGrp="1"/>
+          </p:cNvSpPr>
+          <p:nvPr>
+            <p:ph type="body" idx="1"/>
+          </p:nvPr>
+        </p:nvSpPr>
+        <p:spPr/>
+        <p:txBody>
+          <a:bodyPr/>
+          <a:lstStyle/>
+          <a:p>
+            <a:r>
+              <a:rPr lang="en-US" dirty="0"/>
+              <a:t>The Flight prior to flight 800 had numerous issues</a:t>
+            </a:r>
+          </a:p>
+          <a:p>
+            <a:pPr marL="171450" indent="-171450">
+              <a:buFont typeface="Arial" panose="020B0604020202020204" pitchFamily="34" charset="0"/>
+              <a:buChar char="•"/>
+            </a:pPr>
+            <a:r>
+              <a:rPr lang="en-US" dirty="0"/>
+              <a:t>The thrust reverser had a fault and was disconnected, accord to the MEL (Minimum Equipment List)</a:t>
+            </a:r>
+          </a:p>
+          <a:p>
+            <a:pPr marL="171450" indent="-171450">
+              <a:buFont typeface="Arial" panose="020B0604020202020204" pitchFamily="34" charset="0"/>
+              <a:buChar char="•"/>
+            </a:pPr>
+            <a:r>
+              <a:rPr lang="en-US" dirty="0"/>
+              <a:t>The volumetric shutoff for the fuel tank was malfunctioning and was replaced (multiple instances of this occurred the prior weeks)</a:t>
+            </a:r>
+          </a:p>
+        </p:txBody>
+      </p:sp>
+      <p:sp>
+        <p:nvSpPr>
+          <p:cNvPr id="4" name="Slide Number Placeholder 3"/>
+          <p:cNvSpPr>
+            <a:spLocks noGrp="1"/>
+          </p:cNvSpPr>
+          <p:nvPr>
+            <p:ph type="sldNum" sz="quarter" idx="5"/>
+          </p:nvPr>
+        </p:nvSpPr>
+        <p:spPr/>
+        <p:txBody>
+          <a:bodyPr/>
+          <a:lstStyle/>
+          <a:p>
+            <a:fld id="{81A8DCB4-F112-449C-8FC9-9957A995D8FF}" type="slidenum">
+              <a:rPr lang="en-US" smtClean="0"/>
+              <a:t>3</a:t>
+            </a:fld>
+            <a:endParaRPr lang="en-US"/>
+          </a:p>
+        </p:txBody>
+      </p:sp>
+    </p:spTree>
+    <p:extLst>
+      <p:ext uri="{BB962C8B-B14F-4D97-AF65-F5344CB8AC3E}">
+        <p14:creationId xmlns:p14="http://schemas.microsoft.com/office/powerpoint/2010/main" val="4293976139"/>
+      </p:ext>
+    </p:extLst>
+  </p:cSld>
+  <p:clrMapOvr>
+    <a:masterClrMapping/>
+  </p:clrMapOvr>
+</p:notes>
 </file>
 
 <file path=ppt/slideLayouts/slideLayout1.xml><?xml version="1.0" encoding="utf-8"?>
@@ -333,7 +887,7 @@
           <a:p>
             <a:fld id="{96DFF08F-DC6B-4601-B491-B0F83F6DD2DA}" type="datetimeFigureOut">
               <a:rPr lang="en-US" dirty="0"/>
-              <a:t>9/22/2019</a:t>
+              <a:t>10/27/2019</a:t>
             </a:fld>
             <a:endParaRPr lang="en-US" dirty="0"/>
           </a:p>
@@ -536,7 +1090,7 @@
           <a:p>
             <a:fld id="{96DFF08F-DC6B-4601-B491-B0F83F6DD2DA}" type="datetimeFigureOut">
               <a:rPr lang="en-US" dirty="0"/>
-              <a:t>9/22/2019</a:t>
+              <a:t>10/27/2019</a:t>
             </a:fld>
             <a:endParaRPr lang="en-US" dirty="0"/>
           </a:p>
@@ -787,7 +1341,7 @@
           <a:p>
             <a:fld id="{96DFF08F-DC6B-4601-B491-B0F83F6DD2DA}" type="datetimeFigureOut">
               <a:rPr lang="en-US" dirty="0"/>
-              <a:t>9/22/2019</a:t>
+              <a:t>10/27/2019</a:t>
             </a:fld>
             <a:endParaRPr lang="en-US" dirty="0"/>
           </a:p>
@@ -952,7 +1506,7 @@
           <a:p>
             <a:fld id="{D62CEF3B-A037-46D0-B02C-1428F07E9383}" type="datetimeFigureOut">
               <a:rPr lang="en-US" dirty="0"/>
-              <a:t>9/22/2019</a:t>
+              <a:t>10/27/2019</a:t>
             </a:fld>
             <a:endParaRPr lang="en-US" dirty="0"/>
           </a:p>
@@ -1290,7 +1844,7 @@
           <a:p>
             <a:fld id="{96DFF08F-DC6B-4601-B491-B0F83F6DD2DA}" type="datetimeFigureOut">
               <a:rPr lang="en-US" dirty="0"/>
-              <a:t>9/22/2019</a:t>
+              <a:t>10/27/2019</a:t>
             </a:fld>
             <a:endParaRPr lang="en-US" dirty="0"/>
           </a:p>
@@ -1560,7 +2114,7 @@
           <a:p>
             <a:fld id="{96DFF08F-DC6B-4601-B491-B0F83F6DD2DA}" type="datetimeFigureOut">
               <a:rPr lang="en-US" dirty="0"/>
-              <a:t>9/22/2019</a:t>
+              <a:t>10/27/2019</a:t>
             </a:fld>
             <a:endParaRPr lang="en-US" dirty="0"/>
           </a:p>
@@ -1934,7 +2488,7 @@
           <a:p>
             <a:fld id="{96DFF08F-DC6B-4601-B491-B0F83F6DD2DA}" type="datetimeFigureOut">
               <a:rPr lang="en-US" dirty="0"/>
-              <a:t>9/22/2019</a:t>
+              <a:t>10/27/2019</a:t>
             </a:fld>
             <a:endParaRPr lang="en-US" dirty="0"/>
           </a:p>
@@ -2047,7 +2601,7 @@
           <a:p>
             <a:fld id="{96DFF08F-DC6B-4601-B491-B0F83F6DD2DA}" type="datetimeFigureOut">
               <a:rPr lang="en-US" dirty="0"/>
-              <a:t>9/22/2019</a:t>
+              <a:t>10/27/2019</a:t>
             </a:fld>
             <a:endParaRPr lang="en-US" dirty="0"/>
           </a:p>
@@ -2214,7 +2768,7 @@
             <a:fld id="{96DFF08F-DC6B-4601-B491-B0F83F6DD2DA}" type="datetimeFigureOut">
               <a:rPr lang="en-US" dirty="0"/>
               <a:pPr/>
-              <a:t>9/22/2019</a:t>
+              <a:t>10/27/2019</a:t>
             </a:fld>
             <a:endParaRPr lang="en-US" dirty="0"/>
           </a:p>
@@ -2565,7 +3119,7 @@
             <a:fld id="{96DFF08F-DC6B-4601-B491-B0F83F6DD2DA}" type="datetimeFigureOut">
               <a:rPr lang="en-US" dirty="0"/>
               <a:pPr/>
-              <a:t>9/22/2019</a:t>
+              <a:t>10/27/2019</a:t>
             </a:fld>
             <a:endParaRPr lang="en-US" dirty="0"/>
           </a:p>
@@ -2938,7 +3492,7 @@
           <a:p>
             <a:fld id="{96DFF08F-DC6B-4601-B491-B0F83F6DD2DA}" type="datetimeFigureOut">
               <a:rPr lang="en-US" dirty="0"/>
-              <a:t>9/22/2019</a:t>
+              <a:t>10/27/2019</a:t>
             </a:fld>
             <a:endParaRPr lang="en-US" dirty="0"/>
           </a:p>
@@ -3221,7 +3775,7 @@
             <a:fld id="{96DFF08F-DC6B-4601-B491-B0F83F6DD2DA}" type="datetimeFigureOut">
               <a:rPr lang="en-US" dirty="0"/>
               <a:pPr/>
-              <a:t>9/22/2019</a:t>
+              <a:t>10/27/2019</a:t>
             </a:fld>
             <a:endParaRPr lang="en-US" dirty="0"/>
           </a:p>
@@ -3818,6 +4372,963 @@
 </p:sld>
 </file>
 
+<file path=ppt/slides/slide2.xml><?xml version="1.0" encoding="utf-8"?>
+<p:sld xmlns:a="http://schemas.openxmlformats.org/drawingml/2006/main" xmlns:r="http://schemas.openxmlformats.org/officeDocument/2006/relationships" xmlns:p="http://schemas.openxmlformats.org/presentationml/2006/main">
+  <p:cSld>
+    <p:bg>
+      <p:bgPr>
+        <a:solidFill>
+          <a:schemeClr val="bg1"/>
+        </a:solidFill>
+        <a:effectLst/>
+      </p:bgPr>
+    </p:bg>
+    <p:spTree>
+      <p:nvGrpSpPr>
+        <p:cNvPr id="1" name=""/>
+        <p:cNvGrpSpPr/>
+        <p:nvPr/>
+      </p:nvGrpSpPr>
+      <p:grpSpPr>
+        <a:xfrm>
+          <a:off x="0" y="0"/>
+          <a:ext cx="0" cy="0"/>
+          <a:chOff x="0" y="0"/>
+          <a:chExt cx="0" cy="0"/>
+        </a:xfrm>
+      </p:grpSpPr>
+      <p:sp useBgFill="1">
+        <p:nvSpPr>
+          <p:cNvPr id="9" name="Rectangle 8">
+            <a:extLst>
+              <a:ext uri="{FF2B5EF4-FFF2-40B4-BE49-F238E27FC236}">
+                <a16:creationId xmlns:a16="http://schemas.microsoft.com/office/drawing/2014/main" id="{873ECEC8-0F24-45B8-950F-35FC94BCEAC8}"/>
+              </a:ext>
+              <a:ext uri="{C183D7F6-B498-43B3-948B-1728B52AA6E4}">
+                <adec:decorative xmlns:adec="http://schemas.microsoft.com/office/drawing/2017/decorative" val="1"/>
+              </a:ext>
+            </a:extLst>
+          </p:cNvPr>
+          <p:cNvSpPr>
+            <a:spLocks noGrp="1" noRot="1" noChangeAspect="1" noMove="1" noResize="1" noEditPoints="1" noAdjustHandles="1" noChangeArrowheads="1" noChangeShapeType="1" noTextEdit="1"/>
+          </p:cNvSpPr>
+          <p:nvPr>
+            <p:extLst>
+              <p:ext uri="{386F3935-93C4-4BCD-93E2-E3B085C9AB24}">
+                <p16:designElem xmlns:p16="http://schemas.microsoft.com/office/powerpoint/2015/main" val="1"/>
+              </p:ext>
+            </p:extLst>
+          </p:nvPr>
+        </p:nvSpPr>
+        <p:spPr>
+          <a:xfrm>
+            <a:off x="0" y="0"/>
+            <a:ext cx="12192001" cy="6334316"/>
+          </a:xfrm>
+          <a:prstGeom prst="rect">
+            <a:avLst/>
+          </a:prstGeom>
+          <a:ln>
+            <a:noFill/>
+          </a:ln>
+        </p:spPr>
+        <p:style>
+          <a:lnRef idx="2">
+            <a:schemeClr val="accent1">
+              <a:shade val="50000"/>
+            </a:schemeClr>
+          </a:lnRef>
+          <a:fillRef idx="1">
+            <a:schemeClr val="accent1"/>
+          </a:fillRef>
+          <a:effectRef idx="0">
+            <a:schemeClr val="accent1"/>
+          </a:effectRef>
+          <a:fontRef idx="minor">
+            <a:schemeClr val="lt1"/>
+          </a:fontRef>
+        </p:style>
+        <p:txBody>
+          <a:bodyPr rtlCol="0" anchor="ctr"/>
+          <a:lstStyle/>
+          <a:p>
+            <a:pPr algn="ctr"/>
+            <a:endParaRPr lang="en-US"/>
+          </a:p>
+        </p:txBody>
+      </p:sp>
+      <p:sp>
+        <p:nvSpPr>
+          <p:cNvPr id="2" name="Title 1">
+            <a:extLst>
+              <a:ext uri="{FF2B5EF4-FFF2-40B4-BE49-F238E27FC236}">
+                <a16:creationId xmlns:a16="http://schemas.microsoft.com/office/drawing/2014/main" id="{433A7981-7B5E-49CB-9327-ED8E91382A22}"/>
+              </a:ext>
+            </a:extLst>
+          </p:cNvPr>
+          <p:cNvSpPr>
+            <a:spLocks noGrp="1"/>
+          </p:cNvSpPr>
+          <p:nvPr>
+            <p:ph type="title"/>
+          </p:nvPr>
+        </p:nvSpPr>
+        <p:spPr>
+          <a:xfrm>
+            <a:off x="7859485" y="634946"/>
+            <a:ext cx="3690257" cy="1450757"/>
+          </a:xfrm>
+        </p:spPr>
+        <p:txBody>
+          <a:bodyPr>
+            <a:normAutofit/>
+          </a:bodyPr>
+          <a:lstStyle/>
+          <a:p>
+            <a:r>
+              <a:rPr lang="en-US" sz="4800"/>
+              <a:t>Flight Background</a:t>
+            </a:r>
+          </a:p>
+        </p:txBody>
+      </p:sp>
+      <p:pic>
+        <p:nvPicPr>
+          <p:cNvPr id="4" name="Picture 4" descr="https://upload.wikimedia.org/wikipedia/commons/c/c1/Boeing_747-131%2C_Trans_World_Airlines_-_TWA_AN1074840.jpg">
+            <a:extLst>
+              <a:ext uri="{FF2B5EF4-FFF2-40B4-BE49-F238E27FC236}">
+                <a16:creationId xmlns:a16="http://schemas.microsoft.com/office/drawing/2014/main" id="{D812D02B-EE08-49C6-8466-857421B6A079}"/>
+              </a:ext>
+            </a:extLst>
+          </p:cNvPr>
+          <p:cNvPicPr>
+            <a:picLocks noChangeAspect="1" noChangeArrowheads="1"/>
+          </p:cNvPicPr>
+          <p:nvPr/>
+        </p:nvPicPr>
+        <p:blipFill rotWithShape="1">
+          <a:blip r:embed="rId3">
+            <a:extLst>
+              <a:ext uri="{28A0092B-C50C-407E-A947-70E740481C1C}">
+                <a14:useLocalDpi xmlns:a14="http://schemas.microsoft.com/office/drawing/2010/main" val="0"/>
+              </a:ext>
+            </a:extLst>
+          </a:blip>
+          <a:srcRect l="6776" r="1557" b="-2"/>
+          <a:stretch/>
+        </p:blipFill>
+        <p:spPr bwMode="auto">
+          <a:xfrm>
+            <a:off x="633999" y="640081"/>
+            <a:ext cx="6909801" cy="5314406"/>
+          </a:xfrm>
+          <a:prstGeom prst="rect">
+            <a:avLst/>
+          </a:prstGeom>
+          <a:noFill/>
+          <a:effectLst>
+            <a:outerShdw blurRad="50800" dist="38100" dir="5400000" algn="t" rotWithShape="0">
+              <a:prstClr val="black">
+                <a:alpha val="40000"/>
+              </a:prstClr>
+            </a:outerShdw>
+            <a:softEdge rad="31750"/>
+          </a:effectLst>
+          <a:extLst>
+            <a:ext uri="{909E8E84-426E-40DD-AFC4-6F175D3DCCD1}">
+              <a14:hiddenFill xmlns:a14="http://schemas.microsoft.com/office/drawing/2010/main">
+                <a:solidFill>
+                  <a:srgbClr val="FFFFFF"/>
+                </a:solidFill>
+              </a14:hiddenFill>
+            </a:ext>
+          </a:extLst>
+        </p:spPr>
+      </p:pic>
+      <p:cxnSp>
+        <p:nvCxnSpPr>
+          <p:cNvPr id="11" name="Straight Connector 10">
+            <a:extLst>
+              <a:ext uri="{FF2B5EF4-FFF2-40B4-BE49-F238E27FC236}">
+                <a16:creationId xmlns:a16="http://schemas.microsoft.com/office/drawing/2014/main" id="{89EB8C68-FF1B-4849-867B-32D29B19F102}"/>
+              </a:ext>
+              <a:ext uri="{C183D7F6-B498-43B3-948B-1728B52AA6E4}">
+                <adec:decorative xmlns:adec="http://schemas.microsoft.com/office/drawing/2017/decorative" val="1"/>
+              </a:ext>
+            </a:extLst>
+          </p:cNvPr>
+          <p:cNvCxnSpPr>
+            <a:cxnSpLocks noGrp="1" noRot="1" noChangeAspect="1" noMove="1" noResize="1" noEditPoints="1" noAdjustHandles="1" noChangeArrowheads="1" noChangeShapeType="1"/>
+          </p:cNvCxnSpPr>
+          <p:nvPr>
+            <p:extLst>
+              <p:ext uri="{386F3935-93C4-4BCD-93E2-E3B085C9AB24}">
+                <p16:designElem xmlns:p16="http://schemas.microsoft.com/office/powerpoint/2015/main" val="1"/>
+              </p:ext>
+            </p:extLst>
+          </p:nvPr>
+        </p:nvCxnSpPr>
+        <p:spPr>
+          <a:xfrm>
+            <a:off x="7892143" y="2085703"/>
+            <a:ext cx="3566160" cy="0"/>
+          </a:xfrm>
+          <a:prstGeom prst="line">
+            <a:avLst/>
+          </a:prstGeom>
+          <a:ln w="6350">
+            <a:solidFill>
+              <a:schemeClr val="tx1">
+                <a:lumMod val="50000"/>
+                <a:lumOff val="50000"/>
+                <a:alpha val="90000"/>
+              </a:schemeClr>
+            </a:solidFill>
+          </a:ln>
+        </p:spPr>
+        <p:style>
+          <a:lnRef idx="1">
+            <a:schemeClr val="accent1"/>
+          </a:lnRef>
+          <a:fillRef idx="0">
+            <a:schemeClr val="accent1"/>
+          </a:fillRef>
+          <a:effectRef idx="0">
+            <a:schemeClr val="accent1"/>
+          </a:effectRef>
+          <a:fontRef idx="minor">
+            <a:schemeClr val="tx1"/>
+          </a:fontRef>
+        </p:style>
+      </p:cxnSp>
+      <p:sp>
+        <p:nvSpPr>
+          <p:cNvPr id="3" name="Content Placeholder 2">
+            <a:extLst>
+              <a:ext uri="{FF2B5EF4-FFF2-40B4-BE49-F238E27FC236}">
+                <a16:creationId xmlns:a16="http://schemas.microsoft.com/office/drawing/2014/main" id="{19F070E1-1513-492D-8580-15754FE9D6A3}"/>
+              </a:ext>
+            </a:extLst>
+          </p:cNvPr>
+          <p:cNvSpPr>
+            <a:spLocks noGrp="1"/>
+          </p:cNvSpPr>
+          <p:nvPr>
+            <p:ph idx="1"/>
+          </p:nvPr>
+        </p:nvSpPr>
+        <p:spPr>
+          <a:xfrm>
+            <a:off x="7859485" y="2198914"/>
+            <a:ext cx="3690257" cy="3670180"/>
+          </a:xfrm>
+        </p:spPr>
+        <p:txBody>
+          <a:bodyPr>
+            <a:normAutofit/>
+          </a:bodyPr>
+          <a:lstStyle/>
+          <a:p>
+            <a:pPr>
+              <a:buFont typeface="Arial" panose="020B0604020202020204" pitchFamily="34" charset="0"/>
+              <a:buChar char="•"/>
+            </a:pPr>
+            <a:r>
+              <a:rPr lang="en-US" sz="2000" dirty="0"/>
+              <a:t> Airline: Trans World Airlines</a:t>
+            </a:r>
+          </a:p>
+          <a:p>
+            <a:pPr>
+              <a:buFont typeface="Arial" panose="020B0604020202020204" pitchFamily="34" charset="0"/>
+              <a:buChar char="•"/>
+            </a:pPr>
+            <a:r>
+              <a:rPr lang="en-US" sz="2000" dirty="0"/>
+              <a:t> Aircraft: Boeing 747-100 N93119</a:t>
+            </a:r>
+          </a:p>
+          <a:p>
+            <a:pPr>
+              <a:buFont typeface="Arial" panose="020B0604020202020204" pitchFamily="34" charset="0"/>
+              <a:buChar char="•"/>
+            </a:pPr>
+            <a:r>
+              <a:rPr lang="en-US" sz="2000" dirty="0"/>
+              <a:t> Route: JFK International to CDG International to FCO International</a:t>
+            </a:r>
+          </a:p>
+          <a:p>
+            <a:pPr>
+              <a:buFont typeface="Arial" panose="020B0604020202020204" pitchFamily="34" charset="0"/>
+              <a:buChar char="•"/>
+            </a:pPr>
+            <a:r>
+              <a:rPr lang="en-US" dirty="0"/>
+              <a:t> Occupants: 212 Passengers &amp; 18 Crew</a:t>
+            </a:r>
+            <a:endParaRPr lang="en-US" sz="2000" dirty="0"/>
+          </a:p>
+          <a:p>
+            <a:pPr marL="0" indent="0">
+              <a:buNone/>
+            </a:pPr>
+            <a:endParaRPr lang="en-US" sz="2000" dirty="0"/>
+          </a:p>
+        </p:txBody>
+      </p:sp>
+      <p:sp>
+        <p:nvSpPr>
+          <p:cNvPr id="13" name="Rectangle 12">
+            <a:extLst>
+              <a:ext uri="{FF2B5EF4-FFF2-40B4-BE49-F238E27FC236}">
+                <a16:creationId xmlns:a16="http://schemas.microsoft.com/office/drawing/2014/main" id="{7D417315-0A35-4882-ABD2-ABE3C89E5DCF}"/>
+              </a:ext>
+              <a:ext uri="{C183D7F6-B498-43B3-948B-1728B52AA6E4}">
+                <adec:decorative xmlns:adec="http://schemas.microsoft.com/office/drawing/2017/decorative" val="1"/>
+              </a:ext>
+            </a:extLst>
+          </p:cNvPr>
+          <p:cNvSpPr>
+            <a:spLocks noGrp="1" noRot="1" noChangeAspect="1" noMove="1" noResize="1" noEditPoints="1" noAdjustHandles="1" noChangeArrowheads="1" noChangeShapeType="1" noTextEdit="1"/>
+          </p:cNvSpPr>
+          <p:nvPr>
+            <p:extLst>
+              <p:ext uri="{386F3935-93C4-4BCD-93E2-E3B085C9AB24}">
+                <p16:designElem xmlns:p16="http://schemas.microsoft.com/office/powerpoint/2015/main" val="1"/>
+              </p:ext>
+            </p:extLst>
+          </p:nvPr>
+        </p:nvSpPr>
+        <p:spPr>
+          <a:xfrm>
+            <a:off x="15" y="6334316"/>
+            <a:ext cx="12191985" cy="66484"/>
+          </a:xfrm>
+          <a:prstGeom prst="rect">
+            <a:avLst/>
+          </a:prstGeom>
+          <a:solidFill>
+            <a:schemeClr val="accent1"/>
+          </a:solidFill>
+          <a:ln>
+            <a:noFill/>
+          </a:ln>
+        </p:spPr>
+        <p:style>
+          <a:lnRef idx="2">
+            <a:schemeClr val="accent1">
+              <a:shade val="50000"/>
+            </a:schemeClr>
+          </a:lnRef>
+          <a:fillRef idx="1">
+            <a:schemeClr val="accent1"/>
+          </a:fillRef>
+          <a:effectRef idx="0">
+            <a:schemeClr val="accent1"/>
+          </a:effectRef>
+          <a:fontRef idx="minor">
+            <a:schemeClr val="lt1"/>
+          </a:fontRef>
+        </p:style>
+      </p:sp>
+      <p:sp>
+        <p:nvSpPr>
+          <p:cNvPr id="15" name="Rectangle 14">
+            <a:extLst>
+              <a:ext uri="{FF2B5EF4-FFF2-40B4-BE49-F238E27FC236}">
+                <a16:creationId xmlns:a16="http://schemas.microsoft.com/office/drawing/2014/main" id="{8B53612E-ADB2-4457-9688-89506397AF28}"/>
+              </a:ext>
+              <a:ext uri="{C183D7F6-B498-43B3-948B-1728B52AA6E4}">
+                <adec:decorative xmlns:adec="http://schemas.microsoft.com/office/drawing/2017/decorative" val="1"/>
+              </a:ext>
+            </a:extLst>
+          </p:cNvPr>
+          <p:cNvSpPr>
+            <a:spLocks noGrp="1" noRot="1" noChangeAspect="1" noMove="1" noResize="1" noEditPoints="1" noAdjustHandles="1" noChangeArrowheads="1" noChangeShapeType="1" noTextEdit="1"/>
+          </p:cNvSpPr>
+          <p:nvPr>
+            <p:extLst>
+              <p:ext uri="{386F3935-93C4-4BCD-93E2-E3B085C9AB24}">
+                <p16:designElem xmlns:p16="http://schemas.microsoft.com/office/powerpoint/2015/main" val="1"/>
+              </p:ext>
+            </p:extLst>
+          </p:nvPr>
+        </p:nvSpPr>
+        <p:spPr>
+          <a:xfrm>
+            <a:off x="1" y="6400800"/>
+            <a:ext cx="12192000" cy="457200"/>
+          </a:xfrm>
+          <a:prstGeom prst="rect">
+            <a:avLst/>
+          </a:prstGeom>
+          <a:solidFill>
+            <a:schemeClr val="accent2"/>
+          </a:solidFill>
+          <a:ln>
+            <a:noFill/>
+          </a:ln>
+        </p:spPr>
+        <p:style>
+          <a:lnRef idx="2">
+            <a:schemeClr val="accent1">
+              <a:shade val="50000"/>
+            </a:schemeClr>
+          </a:lnRef>
+          <a:fillRef idx="1">
+            <a:schemeClr val="accent1"/>
+          </a:fillRef>
+          <a:effectRef idx="0">
+            <a:schemeClr val="accent1"/>
+          </a:effectRef>
+          <a:fontRef idx="minor">
+            <a:schemeClr val="lt1"/>
+          </a:fontRef>
+        </p:style>
+      </p:sp>
+    </p:spTree>
+    <p:extLst>
+      <p:ext uri="{BB962C8B-B14F-4D97-AF65-F5344CB8AC3E}">
+        <p14:creationId xmlns:p14="http://schemas.microsoft.com/office/powerpoint/2010/main" val="3902980977"/>
+      </p:ext>
+    </p:extLst>
+  </p:cSld>
+  <p:clrMapOvr>
+    <a:masterClrMapping/>
+  </p:clrMapOvr>
+</p:sld>
+</file>
+
+<file path=ppt/slides/slide3.xml><?xml version="1.0" encoding="utf-8"?>
+<p:sld xmlns:a="http://schemas.openxmlformats.org/drawingml/2006/main" xmlns:r="http://schemas.openxmlformats.org/officeDocument/2006/relationships" xmlns:p="http://schemas.openxmlformats.org/presentationml/2006/main">
+  <p:cSld>
+    <p:bg>
+      <p:bgPr>
+        <a:solidFill>
+          <a:schemeClr val="bg1"/>
+        </a:solidFill>
+        <a:effectLst/>
+      </p:bgPr>
+    </p:bg>
+    <p:spTree>
+      <p:nvGrpSpPr>
+        <p:cNvPr id="1" name=""/>
+        <p:cNvGrpSpPr/>
+        <p:nvPr/>
+      </p:nvGrpSpPr>
+      <p:grpSpPr>
+        <a:xfrm>
+          <a:off x="0" y="0"/>
+          <a:ext cx="0" cy="0"/>
+          <a:chOff x="0" y="0"/>
+          <a:chExt cx="0" cy="0"/>
+        </a:xfrm>
+      </p:grpSpPr>
+      <p:sp useBgFill="1">
+        <p:nvSpPr>
+          <p:cNvPr id="14" name="Rectangle 13">
+            <a:extLst>
+              <a:ext uri="{FF2B5EF4-FFF2-40B4-BE49-F238E27FC236}">
+                <a16:creationId xmlns:a16="http://schemas.microsoft.com/office/drawing/2014/main" id="{873ECEC8-0F24-45B8-950F-35FC94BCEAC8}"/>
+              </a:ext>
+              <a:ext uri="{C183D7F6-B498-43B3-948B-1728B52AA6E4}">
+                <adec:decorative xmlns:adec="http://schemas.microsoft.com/office/drawing/2017/decorative" val="1"/>
+              </a:ext>
+            </a:extLst>
+          </p:cNvPr>
+          <p:cNvSpPr>
+            <a:spLocks noGrp="1" noRot="1" noChangeAspect="1" noMove="1" noResize="1" noEditPoints="1" noAdjustHandles="1" noChangeArrowheads="1" noChangeShapeType="1" noTextEdit="1"/>
+          </p:cNvSpPr>
+          <p:nvPr>
+            <p:extLst>
+              <p:ext uri="{386F3935-93C4-4BCD-93E2-E3B085C9AB24}">
+                <p16:designElem xmlns:p16="http://schemas.microsoft.com/office/powerpoint/2015/main" val="1"/>
+              </p:ext>
+            </p:extLst>
+          </p:nvPr>
+        </p:nvSpPr>
+        <p:spPr>
+          <a:xfrm>
+            <a:off x="0" y="0"/>
+            <a:ext cx="12192001" cy="6334316"/>
+          </a:xfrm>
+          <a:prstGeom prst="rect">
+            <a:avLst/>
+          </a:prstGeom>
+          <a:ln>
+            <a:noFill/>
+          </a:ln>
+        </p:spPr>
+        <p:style>
+          <a:lnRef idx="2">
+            <a:schemeClr val="accent1">
+              <a:shade val="50000"/>
+            </a:schemeClr>
+          </a:lnRef>
+          <a:fillRef idx="1">
+            <a:schemeClr val="accent1"/>
+          </a:fillRef>
+          <a:effectRef idx="0">
+            <a:schemeClr val="accent1"/>
+          </a:effectRef>
+          <a:fontRef idx="minor">
+            <a:schemeClr val="lt1"/>
+          </a:fontRef>
+        </p:style>
+        <p:txBody>
+          <a:bodyPr rtlCol="0" anchor="ctr"/>
+          <a:lstStyle/>
+          <a:p>
+            <a:pPr algn="ctr"/>
+            <a:endParaRPr lang="en-US"/>
+          </a:p>
+        </p:txBody>
+      </p:sp>
+      <p:sp>
+        <p:nvSpPr>
+          <p:cNvPr id="2" name="Title 1">
+            <a:extLst>
+              <a:ext uri="{FF2B5EF4-FFF2-40B4-BE49-F238E27FC236}">
+                <a16:creationId xmlns:a16="http://schemas.microsoft.com/office/drawing/2014/main" id="{06A900E4-A845-4035-ADDA-34107A819C54}"/>
+              </a:ext>
+            </a:extLst>
+          </p:cNvPr>
+          <p:cNvSpPr>
+            <a:spLocks noGrp="1"/>
+          </p:cNvSpPr>
+          <p:nvPr>
+            <p:ph type="title"/>
+          </p:nvPr>
+        </p:nvSpPr>
+        <p:spPr>
+          <a:xfrm>
+            <a:off x="7859485" y="634946"/>
+            <a:ext cx="3690257" cy="1450757"/>
+          </a:xfrm>
+        </p:spPr>
+        <p:txBody>
+          <a:bodyPr>
+            <a:normAutofit/>
+          </a:bodyPr>
+          <a:lstStyle/>
+          <a:p>
+            <a:r>
+              <a:rPr lang="en-US" sz="4800"/>
+              <a:t>What Happened?</a:t>
+            </a:r>
+          </a:p>
+        </p:txBody>
+      </p:sp>
+      <p:pic>
+        <p:nvPicPr>
+          <p:cNvPr id="9" name="Picture 2" descr="https://upload.wikimedia.org/wikipedia/commons/a/a4/Twa_800_flight_path.png">
+            <a:extLst>
+              <a:ext uri="{FF2B5EF4-FFF2-40B4-BE49-F238E27FC236}">
+                <a16:creationId xmlns:a16="http://schemas.microsoft.com/office/drawing/2014/main" id="{5338271C-B149-417C-84F7-3B2DA4BEE776}"/>
+              </a:ext>
+            </a:extLst>
+          </p:cNvPr>
+          <p:cNvPicPr>
+            <a:picLocks noChangeAspect="1" noChangeArrowheads="1"/>
+          </p:cNvPicPr>
+          <p:nvPr/>
+        </p:nvPicPr>
+        <p:blipFill rotWithShape="1">
+          <a:blip r:embed="rId3">
+            <a:extLst>
+              <a:ext uri="{28A0092B-C50C-407E-A947-70E740481C1C}">
+                <a14:useLocalDpi xmlns:a14="http://schemas.microsoft.com/office/drawing/2010/main" val="0"/>
+              </a:ext>
+            </a:extLst>
+          </a:blip>
+          <a:srcRect r="8012" b="1"/>
+          <a:stretch/>
+        </p:blipFill>
+        <p:spPr bwMode="auto">
+          <a:xfrm>
+            <a:off x="633999" y="640081"/>
+            <a:ext cx="6909801" cy="5314406"/>
+          </a:xfrm>
+          <a:prstGeom prst="rect">
+            <a:avLst/>
+          </a:prstGeom>
+          <a:ln>
+            <a:noFill/>
+          </a:ln>
+          <a:effectLst>
+            <a:outerShdw blurRad="190500" algn="tl" rotWithShape="0">
+              <a:srgbClr val="000000">
+                <a:alpha val="70000"/>
+              </a:srgbClr>
+            </a:outerShdw>
+          </a:effectLst>
+          <a:extLst>
+            <a:ext uri="{909E8E84-426E-40DD-AFC4-6F175D3DCCD1}">
+              <a14:hiddenFill xmlns:a14="http://schemas.microsoft.com/office/drawing/2010/main">
+                <a:solidFill>
+                  <a:srgbClr val="FFFFFF"/>
+                </a:solidFill>
+              </a14:hiddenFill>
+            </a:ext>
+          </a:extLst>
+        </p:spPr>
+      </p:pic>
+      <p:cxnSp>
+        <p:nvCxnSpPr>
+          <p:cNvPr id="16" name="Straight Connector 15">
+            <a:extLst>
+              <a:ext uri="{FF2B5EF4-FFF2-40B4-BE49-F238E27FC236}">
+                <a16:creationId xmlns:a16="http://schemas.microsoft.com/office/drawing/2014/main" id="{89EB8C68-FF1B-4849-867B-32D29B19F102}"/>
+              </a:ext>
+              <a:ext uri="{C183D7F6-B498-43B3-948B-1728B52AA6E4}">
+                <adec:decorative xmlns:adec="http://schemas.microsoft.com/office/drawing/2017/decorative" val="1"/>
+              </a:ext>
+            </a:extLst>
+          </p:cNvPr>
+          <p:cNvCxnSpPr>
+            <a:cxnSpLocks noGrp="1" noRot="1" noChangeAspect="1" noMove="1" noResize="1" noEditPoints="1" noAdjustHandles="1" noChangeArrowheads="1" noChangeShapeType="1"/>
+          </p:cNvCxnSpPr>
+          <p:nvPr>
+            <p:extLst>
+              <p:ext uri="{386F3935-93C4-4BCD-93E2-E3B085C9AB24}">
+                <p16:designElem xmlns:p16="http://schemas.microsoft.com/office/powerpoint/2015/main" val="1"/>
+              </p:ext>
+            </p:extLst>
+          </p:nvPr>
+        </p:nvCxnSpPr>
+        <p:spPr>
+          <a:xfrm>
+            <a:off x="7892143" y="2085703"/>
+            <a:ext cx="3566160" cy="0"/>
+          </a:xfrm>
+          <a:prstGeom prst="line">
+            <a:avLst/>
+          </a:prstGeom>
+          <a:ln w="6350">
+            <a:solidFill>
+              <a:schemeClr val="tx1">
+                <a:lumMod val="50000"/>
+                <a:lumOff val="50000"/>
+                <a:alpha val="90000"/>
+              </a:schemeClr>
+            </a:solidFill>
+          </a:ln>
+        </p:spPr>
+        <p:style>
+          <a:lnRef idx="1">
+            <a:schemeClr val="accent1"/>
+          </a:lnRef>
+          <a:fillRef idx="0">
+            <a:schemeClr val="accent1"/>
+          </a:fillRef>
+          <a:effectRef idx="0">
+            <a:schemeClr val="accent1"/>
+          </a:effectRef>
+          <a:fontRef idx="minor">
+            <a:schemeClr val="tx1"/>
+          </a:fontRef>
+        </p:style>
+      </p:cxnSp>
+      <p:sp>
+        <p:nvSpPr>
+          <p:cNvPr id="3" name="Content Placeholder 2">
+            <a:extLst>
+              <a:ext uri="{FF2B5EF4-FFF2-40B4-BE49-F238E27FC236}">
+                <a16:creationId xmlns:a16="http://schemas.microsoft.com/office/drawing/2014/main" id="{1520A47B-F82A-4488-9FDA-51B4C23B7093}"/>
+              </a:ext>
+            </a:extLst>
+          </p:cNvPr>
+          <p:cNvSpPr>
+            <a:spLocks noGrp="1"/>
+          </p:cNvSpPr>
+          <p:nvPr>
+            <p:ph idx="1"/>
+          </p:nvPr>
+        </p:nvSpPr>
+        <p:spPr>
+          <a:xfrm>
+            <a:off x="7859485" y="2198914"/>
+            <a:ext cx="3690257" cy="3670180"/>
+          </a:xfrm>
+        </p:spPr>
+        <p:txBody>
+          <a:bodyPr>
+            <a:normAutofit/>
+          </a:bodyPr>
+          <a:lstStyle/>
+          <a:p>
+            <a:pPr>
+              <a:buFont typeface="Arial" panose="020B0604020202020204" pitchFamily="34" charset="0"/>
+              <a:buChar char="•"/>
+            </a:pPr>
+            <a:r>
+              <a:rPr lang="en-US" sz="2000" dirty="0"/>
+              <a:t> On July 17</a:t>
+            </a:r>
+            <a:r>
+              <a:rPr lang="en-US" sz="2000" baseline="30000" dirty="0"/>
+              <a:t>th</a:t>
+            </a:r>
+            <a:r>
+              <a:rPr lang="en-US" sz="2000" dirty="0"/>
+              <a:t> , 1996 the flight departed from JFK flying CDG</a:t>
+            </a:r>
+          </a:p>
+          <a:p>
+            <a:pPr>
+              <a:buFont typeface="Arial" panose="020B0604020202020204" pitchFamily="34" charset="0"/>
+              <a:buChar char="•"/>
+            </a:pPr>
+            <a:r>
+              <a:rPr lang="en-US" sz="2000" dirty="0"/>
+              <a:t> Prior to the flight, the Engine Trust reverser was shutdown and fuel lines were replaced before flight 800</a:t>
+            </a:r>
+          </a:p>
+          <a:p>
+            <a:pPr>
+              <a:buFont typeface="Arial" panose="020B0604020202020204" pitchFamily="34" charset="0"/>
+              <a:buChar char="•"/>
+            </a:pPr>
+            <a:r>
+              <a:rPr lang="en-US" dirty="0"/>
+              <a:t> Upon climbing the belly of the aircraft exploded disconnecting the nose from the aircraft.</a:t>
+            </a:r>
+            <a:endParaRPr lang="en-US" sz="2000" dirty="0"/>
+          </a:p>
+        </p:txBody>
+      </p:sp>
+      <p:sp>
+        <p:nvSpPr>
+          <p:cNvPr id="18" name="Rectangle 17">
+            <a:extLst>
+              <a:ext uri="{FF2B5EF4-FFF2-40B4-BE49-F238E27FC236}">
+                <a16:creationId xmlns:a16="http://schemas.microsoft.com/office/drawing/2014/main" id="{7D417315-0A35-4882-ABD2-ABE3C89E5DCF}"/>
+              </a:ext>
+              <a:ext uri="{C183D7F6-B498-43B3-948B-1728B52AA6E4}">
+                <adec:decorative xmlns:adec="http://schemas.microsoft.com/office/drawing/2017/decorative" val="1"/>
+              </a:ext>
+            </a:extLst>
+          </p:cNvPr>
+          <p:cNvSpPr>
+            <a:spLocks noGrp="1" noRot="1" noChangeAspect="1" noMove="1" noResize="1" noEditPoints="1" noAdjustHandles="1" noChangeArrowheads="1" noChangeShapeType="1" noTextEdit="1"/>
+          </p:cNvSpPr>
+          <p:nvPr>
+            <p:extLst>
+              <p:ext uri="{386F3935-93C4-4BCD-93E2-E3B085C9AB24}">
+                <p16:designElem xmlns:p16="http://schemas.microsoft.com/office/powerpoint/2015/main" val="1"/>
+              </p:ext>
+            </p:extLst>
+          </p:nvPr>
+        </p:nvSpPr>
+        <p:spPr>
+          <a:xfrm>
+            <a:off x="15" y="6334316"/>
+            <a:ext cx="12191985" cy="66484"/>
+          </a:xfrm>
+          <a:prstGeom prst="rect">
+            <a:avLst/>
+          </a:prstGeom>
+          <a:solidFill>
+            <a:schemeClr val="accent1"/>
+          </a:solidFill>
+          <a:ln>
+            <a:noFill/>
+          </a:ln>
+        </p:spPr>
+        <p:style>
+          <a:lnRef idx="2">
+            <a:schemeClr val="accent1">
+              <a:shade val="50000"/>
+            </a:schemeClr>
+          </a:lnRef>
+          <a:fillRef idx="1">
+            <a:schemeClr val="accent1"/>
+          </a:fillRef>
+          <a:effectRef idx="0">
+            <a:schemeClr val="accent1"/>
+          </a:effectRef>
+          <a:fontRef idx="minor">
+            <a:schemeClr val="lt1"/>
+          </a:fontRef>
+        </p:style>
+      </p:sp>
+      <p:sp>
+        <p:nvSpPr>
+          <p:cNvPr id="20" name="Rectangle 19">
+            <a:extLst>
+              <a:ext uri="{FF2B5EF4-FFF2-40B4-BE49-F238E27FC236}">
+                <a16:creationId xmlns:a16="http://schemas.microsoft.com/office/drawing/2014/main" id="{8B53612E-ADB2-4457-9688-89506397AF28}"/>
+              </a:ext>
+              <a:ext uri="{C183D7F6-B498-43B3-948B-1728B52AA6E4}">
+                <adec:decorative xmlns:adec="http://schemas.microsoft.com/office/drawing/2017/decorative" val="1"/>
+              </a:ext>
+            </a:extLst>
+          </p:cNvPr>
+          <p:cNvSpPr>
+            <a:spLocks noGrp="1" noRot="1" noChangeAspect="1" noMove="1" noResize="1" noEditPoints="1" noAdjustHandles="1" noChangeArrowheads="1" noChangeShapeType="1" noTextEdit="1"/>
+          </p:cNvSpPr>
+          <p:nvPr>
+            <p:extLst>
+              <p:ext uri="{386F3935-93C4-4BCD-93E2-E3B085C9AB24}">
+                <p16:designElem xmlns:p16="http://schemas.microsoft.com/office/powerpoint/2015/main" val="1"/>
+              </p:ext>
+            </p:extLst>
+          </p:nvPr>
+        </p:nvSpPr>
+        <p:spPr>
+          <a:xfrm>
+            <a:off x="1" y="6400800"/>
+            <a:ext cx="12192000" cy="457200"/>
+          </a:xfrm>
+          <a:prstGeom prst="rect">
+            <a:avLst/>
+          </a:prstGeom>
+          <a:solidFill>
+            <a:schemeClr val="accent2"/>
+          </a:solidFill>
+          <a:ln>
+            <a:noFill/>
+          </a:ln>
+        </p:spPr>
+        <p:style>
+          <a:lnRef idx="2">
+            <a:schemeClr val="accent1">
+              <a:shade val="50000"/>
+            </a:schemeClr>
+          </a:lnRef>
+          <a:fillRef idx="1">
+            <a:schemeClr val="accent1"/>
+          </a:fillRef>
+          <a:effectRef idx="0">
+            <a:schemeClr val="accent1"/>
+          </a:effectRef>
+          <a:fontRef idx="minor">
+            <a:schemeClr val="lt1"/>
+          </a:fontRef>
+        </p:style>
+      </p:sp>
+    </p:spTree>
+    <p:extLst>
+      <p:ext uri="{BB962C8B-B14F-4D97-AF65-F5344CB8AC3E}">
+        <p14:creationId xmlns:p14="http://schemas.microsoft.com/office/powerpoint/2010/main" val="1162866196"/>
+      </p:ext>
+    </p:extLst>
+  </p:cSld>
+  <p:clrMapOvr>
+    <a:masterClrMapping/>
+  </p:clrMapOvr>
+</p:sld>
+</file>
+
+<file path=ppt/slides/slide4.xml><?xml version="1.0" encoding="utf-8"?>
+<p:sld xmlns:a="http://schemas.openxmlformats.org/drawingml/2006/main" xmlns:r="http://schemas.openxmlformats.org/officeDocument/2006/relationships" xmlns:p="http://schemas.openxmlformats.org/presentationml/2006/main">
+  <p:cSld>
+    <p:spTree>
+      <p:nvGrpSpPr>
+        <p:cNvPr id="1" name=""/>
+        <p:cNvGrpSpPr/>
+        <p:nvPr/>
+      </p:nvGrpSpPr>
+      <p:grpSpPr>
+        <a:xfrm>
+          <a:off x="0" y="0"/>
+          <a:ext cx="0" cy="0"/>
+          <a:chOff x="0" y="0"/>
+          <a:chExt cx="0" cy="0"/>
+        </a:xfrm>
+      </p:grpSpPr>
+      <p:sp>
+        <p:nvSpPr>
+          <p:cNvPr id="2" name="Title 1">
+            <a:extLst>
+              <a:ext uri="{FF2B5EF4-FFF2-40B4-BE49-F238E27FC236}">
+                <a16:creationId xmlns:a16="http://schemas.microsoft.com/office/drawing/2014/main" id="{A7EBED71-5DB4-4CA1-84F3-9DF2253F25FA}"/>
+              </a:ext>
+            </a:extLst>
+          </p:cNvPr>
+          <p:cNvSpPr>
+            <a:spLocks noGrp="1"/>
+          </p:cNvSpPr>
+          <p:nvPr>
+            <p:ph type="title"/>
+          </p:nvPr>
+        </p:nvSpPr>
+        <p:spPr/>
+        <p:txBody>
+          <a:bodyPr/>
+          <a:lstStyle/>
+          <a:p>
+            <a:r>
+              <a:rPr lang="en-US" dirty="0"/>
+              <a:t>Investigations</a:t>
+            </a:r>
+          </a:p>
+        </p:txBody>
+      </p:sp>
+      <p:sp>
+        <p:nvSpPr>
+          <p:cNvPr id="3" name="Content Placeholder 2">
+            <a:extLst>
+              <a:ext uri="{FF2B5EF4-FFF2-40B4-BE49-F238E27FC236}">
+                <a16:creationId xmlns:a16="http://schemas.microsoft.com/office/drawing/2014/main" id="{CCB5DE19-19D3-4E92-BF75-59AB4BCCEF26}"/>
+              </a:ext>
+            </a:extLst>
+          </p:cNvPr>
+          <p:cNvSpPr>
+            <a:spLocks noGrp="1"/>
+          </p:cNvSpPr>
+          <p:nvPr>
+            <p:ph idx="1"/>
+          </p:nvPr>
+        </p:nvSpPr>
+        <p:spPr/>
+        <p:txBody>
+          <a:bodyPr/>
+          <a:lstStyle/>
+          <a:p>
+            <a:endParaRPr lang="en-US"/>
+          </a:p>
+        </p:txBody>
+      </p:sp>
+      <p:sp>
+        <p:nvSpPr>
+          <p:cNvPr id="4" name="Text Placeholder 3">
+            <a:extLst>
+              <a:ext uri="{FF2B5EF4-FFF2-40B4-BE49-F238E27FC236}">
+                <a16:creationId xmlns:a16="http://schemas.microsoft.com/office/drawing/2014/main" id="{80107EDF-ACD0-437C-938B-445257B957F2}"/>
+              </a:ext>
+            </a:extLst>
+          </p:cNvPr>
+          <p:cNvSpPr>
+            <a:spLocks noGrp="1"/>
+          </p:cNvSpPr>
+          <p:nvPr>
+            <p:ph type="body" sz="half" idx="2"/>
+          </p:nvPr>
+        </p:nvSpPr>
+        <p:spPr/>
+        <p:txBody>
+          <a:bodyPr/>
+          <a:lstStyle/>
+          <a:p>
+            <a:endParaRPr lang="en-US"/>
+          </a:p>
+        </p:txBody>
+      </p:sp>
+    </p:spTree>
+    <p:extLst>
+      <p:ext uri="{BB962C8B-B14F-4D97-AF65-F5344CB8AC3E}">
+        <p14:creationId xmlns:p14="http://schemas.microsoft.com/office/powerpoint/2010/main" val="2379042490"/>
+      </p:ext>
+    </p:extLst>
+  </p:cSld>
+  <p:clrMapOvr>
+    <a:masterClrMapping/>
+  </p:clrMapOvr>
+</p:sld>
+</file>
+
 <file path=ppt/theme/theme1.xml><?xml version="1.0" encoding="utf-8"?>
 <a:theme xmlns:a="http://schemas.openxmlformats.org/drawingml/2006/main" name="Retrospect">
   <a:themeElements>
@@ -4099,4 +5610,299 @@
     </a:ext>
   </a:extLst>
 </a:theme>
+</file>
+
+<file path=ppt/theme/theme2.xml><?xml version="1.0" encoding="utf-8"?>
+<a:theme xmlns:a="http://schemas.openxmlformats.org/drawingml/2006/main" name="Office Theme">
+  <a:themeElements>
+    <a:clrScheme name="Office">
+      <a:dk1>
+        <a:sysClr val="windowText" lastClr="000000"/>
+      </a:dk1>
+      <a:lt1>
+        <a:sysClr val="window" lastClr="FFFFFF"/>
+      </a:lt1>
+      <a:dk2>
+        <a:srgbClr val="44546A"/>
+      </a:dk2>
+      <a:lt2>
+        <a:srgbClr val="E7E6E6"/>
+      </a:lt2>
+      <a:accent1>
+        <a:srgbClr val="4472C4"/>
+      </a:accent1>
+      <a:accent2>
+        <a:srgbClr val="ED7D31"/>
+      </a:accent2>
+      <a:accent3>
+        <a:srgbClr val="A5A5A5"/>
+      </a:accent3>
+      <a:accent4>
+        <a:srgbClr val="FFC000"/>
+      </a:accent4>
+      <a:accent5>
+        <a:srgbClr val="5B9BD5"/>
+      </a:accent5>
+      <a:accent6>
+        <a:srgbClr val="70AD47"/>
+      </a:accent6>
+      <a:hlink>
+        <a:srgbClr val="0563C1"/>
+      </a:hlink>
+      <a:folHlink>
+        <a:srgbClr val="954F72"/>
+      </a:folHlink>
+    </a:clrScheme>
+    <a:fontScheme name="Office">
+      <a:majorFont>
+        <a:latin typeface="Calibri Light" panose="020F0302020204030204"/>
+        <a:ea typeface=""/>
+        <a:cs typeface=""/>
+        <a:font script="Jpan" typeface="游ゴシック Light"/>
+        <a:font script="Hang" typeface="맑은 고딕"/>
+        <a:font script="Hans" typeface="等线 Light"/>
+        <a:font script="Hant" typeface="新細明體"/>
+        <a:font script="Arab" typeface="Times New Roman"/>
+        <a:font script="Hebr" typeface="Times New Roman"/>
+        <a:font script="Thai" typeface="Angsana New"/>
+        <a:font script="Ethi" typeface="Nyala"/>
+        <a:font script="Beng" typeface="Vrinda"/>
+        <a:font script="Gujr" typeface="Shruti"/>
+        <a:font script="Khmr" typeface="MoolBoran"/>
+        <a:font script="Knda" typeface="Tunga"/>
+        <a:font script="Guru" typeface="Raavi"/>
+        <a:font script="Cans" typeface="Euphemia"/>
+        <a:font script="Cher" typeface="Plantagenet Cherokee"/>
+        <a:font script="Yiii" typeface="Microsoft Yi Baiti"/>
+        <a:font script="Tibt" typeface="Microsoft Himalaya"/>
+        <a:font script="Thaa" typeface="MV Boli"/>
+        <a:font script="Deva" typeface="Mangal"/>
+        <a:font script="Telu" typeface="Gautami"/>
+        <a:font script="Taml" typeface="Latha"/>
+        <a:font script="Syrc" typeface="Estrangelo Edessa"/>
+        <a:font script="Orya" typeface="Kalinga"/>
+        <a:font script="Mlym" typeface="Kartika"/>
+        <a:font script="Laoo" typeface="DokChampa"/>
+        <a:font script="Sinh" typeface="Iskoola Pota"/>
+        <a:font script="Mong" typeface="Mongolian Baiti"/>
+        <a:font script="Viet" typeface="Times New Roman"/>
+        <a:font script="Uigh" typeface="Microsoft Uighur"/>
+        <a:font script="Geor" typeface="Sylfaen"/>
+        <a:font script="Armn" typeface="Arial"/>
+        <a:font script="Bugi" typeface="Leelawadee UI"/>
+        <a:font script="Bopo" typeface="Microsoft JhengHei"/>
+        <a:font script="Java" typeface="Javanese Text"/>
+        <a:font script="Lisu" typeface="Segoe UI"/>
+        <a:font script="Mymr" typeface="Myanmar Text"/>
+        <a:font script="Nkoo" typeface="Ebrima"/>
+        <a:font script="Olck" typeface="Nirmala UI"/>
+        <a:font script="Osma" typeface="Ebrima"/>
+        <a:font script="Phag" typeface="Phagspa"/>
+        <a:font script="Syrn" typeface="Estrangelo Edessa"/>
+        <a:font script="Syrj" typeface="Estrangelo Edessa"/>
+        <a:font script="Syre" typeface="Estrangelo Edessa"/>
+        <a:font script="Sora" typeface="Nirmala UI"/>
+        <a:font script="Tale" typeface="Microsoft Tai Le"/>
+        <a:font script="Talu" typeface="Microsoft New Tai Lue"/>
+        <a:font script="Tfng" typeface="Ebrima"/>
+      </a:majorFont>
+      <a:minorFont>
+        <a:latin typeface="Calibri" panose="020F0502020204030204"/>
+        <a:ea typeface=""/>
+        <a:cs typeface=""/>
+        <a:font script="Jpan" typeface="游ゴシック"/>
+        <a:font script="Hang" typeface="맑은 고딕"/>
+        <a:font script="Hans" typeface="等线"/>
+        <a:font script="Hant" typeface="新細明體"/>
+        <a:font script="Arab" typeface="Arial"/>
+        <a:font script="Hebr" typeface="Arial"/>
+        <a:font script="Thai" typeface="Cordia New"/>
+        <a:font script="Ethi" typeface="Nyala"/>
+        <a:font script="Beng" typeface="Vrinda"/>
+        <a:font script="Gujr" typeface="Shruti"/>
+        <a:font script="Khmr" typeface="DaunPenh"/>
+        <a:font script="Knda" typeface="Tunga"/>
+        <a:font script="Guru" typeface="Raavi"/>
+        <a:font script="Cans" typeface="Euphemia"/>
+        <a:font script="Cher" typeface="Plantagenet Cherokee"/>
+        <a:font script="Yiii" typeface="Microsoft Yi Baiti"/>
+        <a:font script="Tibt" typeface="Microsoft Himalaya"/>
+        <a:font script="Thaa" typeface="MV Boli"/>
+        <a:font script="Deva" typeface="Mangal"/>
+        <a:font script="Telu" typeface="Gautami"/>
+        <a:font script="Taml" typeface="Latha"/>
+        <a:font script="Syrc" typeface="Estrangelo Edessa"/>
+        <a:font script="Orya" typeface="Kalinga"/>
+        <a:font script="Mlym" typeface="Kartika"/>
+        <a:font script="Laoo" typeface="DokChampa"/>
+        <a:font script="Sinh" typeface="Iskoola Pota"/>
+        <a:font script="Mong" typeface="Mongolian Baiti"/>
+        <a:font script="Viet" typeface="Arial"/>
+        <a:font script="Uigh" typeface="Microsoft Uighur"/>
+        <a:font script="Geor" typeface="Sylfaen"/>
+        <a:font script="Armn" typeface="Arial"/>
+        <a:font script="Bugi" typeface="Leelawadee UI"/>
+        <a:font script="Bopo" typeface="Microsoft JhengHei"/>
+        <a:font script="Java" typeface="Javanese Text"/>
+        <a:font script="Lisu" typeface="Segoe UI"/>
+        <a:font script="Mymr" typeface="Myanmar Text"/>
+        <a:font script="Nkoo" typeface="Ebrima"/>
+        <a:font script="Olck" typeface="Nirmala UI"/>
+        <a:font script="Osma" typeface="Ebrima"/>
+        <a:font script="Phag" typeface="Phagspa"/>
+        <a:font script="Syrn" typeface="Estrangelo Edessa"/>
+        <a:font script="Syrj" typeface="Estrangelo Edessa"/>
+        <a:font script="Syre" typeface="Estrangelo Edessa"/>
+        <a:font script="Sora" typeface="Nirmala UI"/>
+        <a:font script="Tale" typeface="Microsoft Tai Le"/>
+        <a:font script="Talu" typeface="Microsoft New Tai Lue"/>
+        <a:font script="Tfng" typeface="Ebrima"/>
+      </a:minorFont>
+    </a:fontScheme>
+    <a:fmtScheme name="Office">
+      <a:fillStyleLst>
+        <a:solidFill>
+          <a:schemeClr val="phClr"/>
+        </a:solidFill>
+        <a:gradFill rotWithShape="1">
+          <a:gsLst>
+            <a:gs pos="0">
+              <a:schemeClr val="phClr">
+                <a:lumMod val="110000"/>
+                <a:satMod val="105000"/>
+                <a:tint val="67000"/>
+              </a:schemeClr>
+            </a:gs>
+            <a:gs pos="50000">
+              <a:schemeClr val="phClr">
+                <a:lumMod val="105000"/>
+                <a:satMod val="103000"/>
+                <a:tint val="73000"/>
+              </a:schemeClr>
+            </a:gs>
+            <a:gs pos="100000">
+              <a:schemeClr val="phClr">
+                <a:lumMod val="105000"/>
+                <a:satMod val="109000"/>
+                <a:tint val="81000"/>
+              </a:schemeClr>
+            </a:gs>
+          </a:gsLst>
+          <a:lin ang="5400000" scaled="0"/>
+        </a:gradFill>
+        <a:gradFill rotWithShape="1">
+          <a:gsLst>
+            <a:gs pos="0">
+              <a:schemeClr val="phClr">
+                <a:satMod val="103000"/>
+                <a:lumMod val="102000"/>
+                <a:tint val="94000"/>
+              </a:schemeClr>
+            </a:gs>
+            <a:gs pos="50000">
+              <a:schemeClr val="phClr">
+                <a:satMod val="110000"/>
+                <a:lumMod val="100000"/>
+                <a:shade val="100000"/>
+              </a:schemeClr>
+            </a:gs>
+            <a:gs pos="100000">
+              <a:schemeClr val="phClr">
+                <a:lumMod val="99000"/>
+                <a:satMod val="120000"/>
+                <a:shade val="78000"/>
+              </a:schemeClr>
+            </a:gs>
+          </a:gsLst>
+          <a:lin ang="5400000" scaled="0"/>
+        </a:gradFill>
+      </a:fillStyleLst>
+      <a:lnStyleLst>
+        <a:ln w="6350" cap="flat" cmpd="sng" algn="ctr">
+          <a:solidFill>
+            <a:schemeClr val="phClr"/>
+          </a:solidFill>
+          <a:prstDash val="solid"/>
+          <a:miter lim="800000"/>
+        </a:ln>
+        <a:ln w="12700" cap="flat" cmpd="sng" algn="ctr">
+          <a:solidFill>
+            <a:schemeClr val="phClr"/>
+          </a:solidFill>
+          <a:prstDash val="solid"/>
+          <a:miter lim="800000"/>
+        </a:ln>
+        <a:ln w="19050" cap="flat" cmpd="sng" algn="ctr">
+          <a:solidFill>
+            <a:schemeClr val="phClr"/>
+          </a:solidFill>
+          <a:prstDash val="solid"/>
+          <a:miter lim="800000"/>
+        </a:ln>
+      </a:lnStyleLst>
+      <a:effectStyleLst>
+        <a:effectStyle>
+          <a:effectLst/>
+        </a:effectStyle>
+        <a:effectStyle>
+          <a:effectLst/>
+        </a:effectStyle>
+        <a:effectStyle>
+          <a:effectLst>
+            <a:outerShdw blurRad="57150" dist="19050" dir="5400000" algn="ctr" rotWithShape="0">
+              <a:srgbClr val="000000">
+                <a:alpha val="63000"/>
+              </a:srgbClr>
+            </a:outerShdw>
+          </a:effectLst>
+        </a:effectStyle>
+      </a:effectStyleLst>
+      <a:bgFillStyleLst>
+        <a:solidFill>
+          <a:schemeClr val="phClr"/>
+        </a:solidFill>
+        <a:solidFill>
+          <a:schemeClr val="phClr">
+            <a:tint val="95000"/>
+            <a:satMod val="170000"/>
+          </a:schemeClr>
+        </a:solidFill>
+        <a:gradFill rotWithShape="1">
+          <a:gsLst>
+            <a:gs pos="0">
+              <a:schemeClr val="phClr">
+                <a:tint val="93000"/>
+                <a:satMod val="150000"/>
+                <a:shade val="98000"/>
+                <a:lumMod val="102000"/>
+              </a:schemeClr>
+            </a:gs>
+            <a:gs pos="50000">
+              <a:schemeClr val="phClr">
+                <a:tint val="98000"/>
+                <a:satMod val="130000"/>
+                <a:shade val="90000"/>
+                <a:lumMod val="103000"/>
+              </a:schemeClr>
+            </a:gs>
+            <a:gs pos="100000">
+              <a:schemeClr val="phClr">
+                <a:shade val="63000"/>
+                <a:satMod val="120000"/>
+              </a:schemeClr>
+            </a:gs>
+          </a:gsLst>
+          <a:lin ang="5400000" scaled="0"/>
+        </a:gradFill>
+      </a:bgFillStyleLst>
+    </a:fmtScheme>
+  </a:themeElements>
+  <a:objectDefaults/>
+  <a:extraClrSchemeLst/>
+  <a:extLst>
+    <a:ext uri="{05A4C25C-085E-4340-85A3-A5531E510DB2}">
+      <thm15:themeFamily xmlns:thm15="http://schemas.microsoft.com/office/thememl/2012/main" name="Office Theme" id="{62F939B6-93AF-4DB8-9C6B-D6C7DFDC589F}" vid="{4A3C46E8-61CC-4603-A589-7422A47A8E4A}"/>
+    </a:ext>
+  </a:extLst>
+</a:theme>
 </file>
--- a/CEC300/Stark_Presentation.pptx
+++ b/CEC300/Stark_Presentation.pptx
@@ -5,13 +5,14 @@
     <p:sldMasterId id="2147483648" r:id="rId1"/>
   </p:sldMasterIdLst>
   <p:notesMasterIdLst>
-    <p:notesMasterId r:id="rId6"/>
+    <p:notesMasterId r:id="rId7"/>
   </p:notesMasterIdLst>
   <p:sldIdLst>
     <p:sldId id="256" r:id="rId2"/>
     <p:sldId id="257" r:id="rId3"/>
     <p:sldId id="258" r:id="rId4"/>
-    <p:sldId id="259" r:id="rId5"/>
+    <p:sldId id="260" r:id="rId5"/>
+    <p:sldId id="259" r:id="rId6"/>
   </p:sldIdLst>
   <p:sldSz cx="12192000" cy="6858000"/>
   <p:notesSz cx="6858000" cy="9144000"/>
@@ -200,7 +201,7 @@
           <a:p>
             <a:fld id="{C1768EB4-BDE3-480F-B50A-8C1E950C0129}" type="datetimeFigureOut">
               <a:rPr lang="en-US" smtClean="0"/>
-              <a:t>10/27/2019</a:t>
+              <a:t>10/29/2019</a:t>
             </a:fld>
             <a:endParaRPr lang="en-US"/>
           </a:p>
@@ -661,6 +662,154 @@
 </p:notes>
 </file>
 
+<file path=ppt/notesSlides/notesSlide3.xml><?xml version="1.0" encoding="utf-8"?>
+<p:notes xmlns:a="http://schemas.openxmlformats.org/drawingml/2006/main" xmlns:r="http://schemas.openxmlformats.org/officeDocument/2006/relationships" xmlns:p="http://schemas.openxmlformats.org/presentationml/2006/main">
+  <p:cSld>
+    <p:spTree>
+      <p:nvGrpSpPr>
+        <p:cNvPr id="1" name=""/>
+        <p:cNvGrpSpPr/>
+        <p:nvPr/>
+      </p:nvGrpSpPr>
+      <p:grpSpPr>
+        <a:xfrm>
+          <a:off x="0" y="0"/>
+          <a:ext cx="0" cy="0"/>
+          <a:chOff x="0" y="0"/>
+          <a:chExt cx="0" cy="0"/>
+        </a:xfrm>
+      </p:grpSpPr>
+      <p:sp>
+        <p:nvSpPr>
+          <p:cNvPr id="2" name="Slide Image Placeholder 1"/>
+          <p:cNvSpPr>
+            <a:spLocks noGrp="1" noRot="1" noChangeAspect="1"/>
+          </p:cNvSpPr>
+          <p:nvPr>
+            <p:ph type="sldImg"/>
+          </p:nvPr>
+        </p:nvSpPr>
+        <p:spPr/>
+      </p:sp>
+      <p:sp>
+        <p:nvSpPr>
+          <p:cNvPr id="3" name="Notes Placeholder 2"/>
+          <p:cNvSpPr>
+            <a:spLocks noGrp="1"/>
+          </p:cNvSpPr>
+          <p:nvPr>
+            <p:ph type="body" idx="1"/>
+          </p:nvPr>
+        </p:nvSpPr>
+        <p:spPr/>
+        <p:txBody>
+          <a:bodyPr/>
+          <a:lstStyle/>
+          <a:p>
+            <a:pPr marL="171450" indent="-171450">
+              <a:buFont typeface="Arial" panose="020B0604020202020204" pitchFamily="34" charset="0"/>
+              <a:buChar char="•"/>
+            </a:pPr>
+            <a:r>
+              <a:rPr lang="en-US" dirty="0"/>
+              <a:t>The NTSB conducted preliminary interviews following the accident, where the majority all stated that a “streak of light” was seen heading towards the aircraft before the explosion</a:t>
+            </a:r>
+          </a:p>
+          <a:p>
+            <a:pPr marL="171450" indent="-171450">
+              <a:buFont typeface="Arial" panose="020B0604020202020204" pitchFamily="34" charset="0"/>
+              <a:buChar char="•"/>
+            </a:pPr>
+            <a:r>
+              <a:rPr lang="en-US" dirty="0"/>
+              <a:t>These testimonies and FBI believing the NTSB to be too indecisive prompted the FBI takeover of the investigation, where more interviews were done with the same stories.</a:t>
+            </a:r>
+          </a:p>
+          <a:p>
+            <a:pPr marL="171450" indent="-171450">
+              <a:buFont typeface="Arial" panose="020B0604020202020204" pitchFamily="34" charset="0"/>
+              <a:buChar char="•"/>
+            </a:pPr>
+            <a:endParaRPr lang="en-US" dirty="0"/>
+          </a:p>
+          <a:p>
+            <a:pPr marL="171450" indent="-171450">
+              <a:buFont typeface="Arial" panose="020B0604020202020204" pitchFamily="34" charset="0"/>
+              <a:buChar char="•"/>
+            </a:pPr>
+            <a:r>
+              <a:rPr lang="en-US" dirty="0"/>
+              <a:t>The Image shows the trajectory of the debris for each of the three sections</a:t>
+            </a:r>
+          </a:p>
+          <a:p>
+            <a:pPr marL="628650" lvl="1" indent="-171450">
+              <a:buFont typeface="Arial" panose="020B0604020202020204" pitchFamily="34" charset="0"/>
+              <a:buChar char="•"/>
+            </a:pPr>
+            <a:r>
+              <a:rPr lang="en-US" dirty="0"/>
+              <a:t>Red is the initial explosion and the main fuel tank/Belly of the plane</a:t>
+            </a:r>
+          </a:p>
+          <a:p>
+            <a:pPr marL="628650" lvl="1" indent="-171450">
+              <a:buFont typeface="Arial" panose="020B0604020202020204" pitchFamily="34" charset="0"/>
+              <a:buChar char="•"/>
+            </a:pPr>
+            <a:r>
+              <a:rPr lang="en-US" dirty="0"/>
+              <a:t>Yellow is the Nose of the aircraft and cockpit, after separation</a:t>
+            </a:r>
+          </a:p>
+          <a:p>
+            <a:pPr marL="628650" lvl="1" indent="-171450">
+              <a:buFont typeface="Arial" panose="020B0604020202020204" pitchFamily="34" charset="0"/>
+              <a:buChar char="•"/>
+            </a:pPr>
+            <a:r>
+              <a:rPr lang="en-US" dirty="0"/>
+              <a:t>Green is the rest of the body of the aircraft and wings after separation</a:t>
+            </a:r>
+          </a:p>
+        </p:txBody>
+      </p:sp>
+      <p:sp>
+        <p:nvSpPr>
+          <p:cNvPr id="4" name="Slide Number Placeholder 3"/>
+          <p:cNvSpPr>
+            <a:spLocks noGrp="1"/>
+          </p:cNvSpPr>
+          <p:nvPr>
+            <p:ph type="sldNum" sz="quarter" idx="5"/>
+          </p:nvPr>
+        </p:nvSpPr>
+        <p:spPr/>
+        <p:txBody>
+          <a:bodyPr/>
+          <a:lstStyle/>
+          <a:p>
+            <a:fld id="{81A8DCB4-F112-449C-8FC9-9957A995D8FF}" type="slidenum">
+              <a:rPr lang="en-US" smtClean="0"/>
+              <a:t>5</a:t>
+            </a:fld>
+            <a:endParaRPr lang="en-US"/>
+          </a:p>
+        </p:txBody>
+      </p:sp>
+    </p:spTree>
+    <p:extLst>
+      <p:ext uri="{BB962C8B-B14F-4D97-AF65-F5344CB8AC3E}">
+        <p14:creationId xmlns:p14="http://schemas.microsoft.com/office/powerpoint/2010/main" val="3416207466"/>
+      </p:ext>
+    </p:extLst>
+  </p:cSld>
+  <p:clrMapOvr>
+    <a:masterClrMapping/>
+  </p:clrMapOvr>
+</p:notes>
+</file>
+
 <file path=ppt/slideLayouts/slideLayout1.xml><?xml version="1.0" encoding="utf-8"?>
 <p:sldLayout xmlns:a="http://schemas.openxmlformats.org/drawingml/2006/main" xmlns:r="http://schemas.openxmlformats.org/officeDocument/2006/relationships" xmlns:p="http://schemas.openxmlformats.org/presentationml/2006/main" showMasterSp="0" type="title" preserve="1">
   <p:cSld name="Title Slide">
@@ -887,7 +1036,7 @@
           <a:p>
             <a:fld id="{96DFF08F-DC6B-4601-B491-B0F83F6DD2DA}" type="datetimeFigureOut">
               <a:rPr lang="en-US" dirty="0"/>
-              <a:t>10/27/2019</a:t>
+              <a:t>10/29/2019</a:t>
             </a:fld>
             <a:endParaRPr lang="en-US" dirty="0"/>
           </a:p>
@@ -1090,7 +1239,7 @@
           <a:p>
             <a:fld id="{96DFF08F-DC6B-4601-B491-B0F83F6DD2DA}" type="datetimeFigureOut">
               <a:rPr lang="en-US" dirty="0"/>
-              <a:t>10/27/2019</a:t>
+              <a:t>10/29/2019</a:t>
             </a:fld>
             <a:endParaRPr lang="en-US" dirty="0"/>
           </a:p>
@@ -1341,7 +1490,7 @@
           <a:p>
             <a:fld id="{96DFF08F-DC6B-4601-B491-B0F83F6DD2DA}" type="datetimeFigureOut">
               <a:rPr lang="en-US" dirty="0"/>
-              <a:t>10/27/2019</a:t>
+              <a:t>10/29/2019</a:t>
             </a:fld>
             <a:endParaRPr lang="en-US" dirty="0"/>
           </a:p>
@@ -1506,7 +1655,7 @@
           <a:p>
             <a:fld id="{D62CEF3B-A037-46D0-B02C-1428F07E9383}" type="datetimeFigureOut">
               <a:rPr lang="en-US" dirty="0"/>
-              <a:t>10/27/2019</a:t>
+              <a:t>10/29/2019</a:t>
             </a:fld>
             <a:endParaRPr lang="en-US" dirty="0"/>
           </a:p>
@@ -1844,7 +1993,7 @@
           <a:p>
             <a:fld id="{96DFF08F-DC6B-4601-B491-B0F83F6DD2DA}" type="datetimeFigureOut">
               <a:rPr lang="en-US" dirty="0"/>
-              <a:t>10/27/2019</a:t>
+              <a:t>10/29/2019</a:t>
             </a:fld>
             <a:endParaRPr lang="en-US" dirty="0"/>
           </a:p>
@@ -2114,7 +2263,7 @@
           <a:p>
             <a:fld id="{96DFF08F-DC6B-4601-B491-B0F83F6DD2DA}" type="datetimeFigureOut">
               <a:rPr lang="en-US" dirty="0"/>
-              <a:t>10/27/2019</a:t>
+              <a:t>10/29/2019</a:t>
             </a:fld>
             <a:endParaRPr lang="en-US" dirty="0"/>
           </a:p>
@@ -2488,7 +2637,7 @@
           <a:p>
             <a:fld id="{96DFF08F-DC6B-4601-B491-B0F83F6DD2DA}" type="datetimeFigureOut">
               <a:rPr lang="en-US" dirty="0"/>
-              <a:t>10/27/2019</a:t>
+              <a:t>10/29/2019</a:t>
             </a:fld>
             <a:endParaRPr lang="en-US" dirty="0"/>
           </a:p>
@@ -2601,7 +2750,7 @@
           <a:p>
             <a:fld id="{96DFF08F-DC6B-4601-B491-B0F83F6DD2DA}" type="datetimeFigureOut">
               <a:rPr lang="en-US" dirty="0"/>
-              <a:t>10/27/2019</a:t>
+              <a:t>10/29/2019</a:t>
             </a:fld>
             <a:endParaRPr lang="en-US" dirty="0"/>
           </a:p>
@@ -2768,7 +2917,7 @@
             <a:fld id="{96DFF08F-DC6B-4601-B491-B0F83F6DD2DA}" type="datetimeFigureOut">
               <a:rPr lang="en-US" dirty="0"/>
               <a:pPr/>
-              <a:t>10/27/2019</a:t>
+              <a:t>10/29/2019</a:t>
             </a:fld>
             <a:endParaRPr lang="en-US" dirty="0"/>
           </a:p>
@@ -3119,7 +3268,7 @@
             <a:fld id="{96DFF08F-DC6B-4601-B491-B0F83F6DD2DA}" type="datetimeFigureOut">
               <a:rPr lang="en-US" dirty="0"/>
               <a:pPr/>
-              <a:t>10/27/2019</a:t>
+              <a:t>10/29/2019</a:t>
             </a:fld>
             <a:endParaRPr lang="en-US" dirty="0"/>
           </a:p>
@@ -3492,7 +3641,7 @@
           <a:p>
             <a:fld id="{96DFF08F-DC6B-4601-B491-B0F83F6DD2DA}" type="datetimeFigureOut">
               <a:rPr lang="en-US" dirty="0"/>
-              <a:t>10/27/2019</a:t>
+              <a:t>10/29/2019</a:t>
             </a:fld>
             <a:endParaRPr lang="en-US" dirty="0"/>
           </a:p>
@@ -3775,7 +3924,7 @@
             <a:fld id="{96DFF08F-DC6B-4601-B491-B0F83F6DD2DA}" type="datetimeFigureOut">
               <a:rPr lang="en-US" dirty="0"/>
               <a:pPr/>
-              <a:t>10/27/2019</a:t>
+              <a:t>10/29/2019</a:t>
             </a:fld>
             <a:endParaRPr lang="en-US" dirty="0"/>
           </a:p>
@@ -5243,6 +5392,138 @@
           <p:cNvPr id="2" name="Title 1">
             <a:extLst>
               <a:ext uri="{FF2B5EF4-FFF2-40B4-BE49-F238E27FC236}">
+                <a16:creationId xmlns:a16="http://schemas.microsoft.com/office/drawing/2014/main" id="{B922EB65-1F2B-45C3-8277-28A3D6C800C8}"/>
+              </a:ext>
+            </a:extLst>
+          </p:cNvPr>
+          <p:cNvSpPr>
+            <a:spLocks noGrp="1"/>
+          </p:cNvSpPr>
+          <p:nvPr>
+            <p:ph type="title"/>
+          </p:nvPr>
+        </p:nvSpPr>
+        <p:spPr>
+          <a:xfrm>
+            <a:off x="1097280" y="286603"/>
+            <a:ext cx="10058400" cy="1450757"/>
+          </a:xfrm>
+        </p:spPr>
+        <p:txBody>
+          <a:bodyPr/>
+          <a:lstStyle/>
+          <a:p>
+            <a:r>
+              <a:rPr lang="en-US" dirty="0"/>
+              <a:t>Crash Animation</a:t>
+            </a:r>
+          </a:p>
+        </p:txBody>
+      </p:sp>
+      <p:sp>
+        <p:nvSpPr>
+          <p:cNvPr id="8" name="TextBox 7">
+            <a:extLst>
+              <a:ext uri="{FF2B5EF4-FFF2-40B4-BE49-F238E27FC236}">
+                <a16:creationId xmlns:a16="http://schemas.microsoft.com/office/drawing/2014/main" id="{F9AD7E56-6ECD-4462-9BC3-4CC52AE2EE2A}"/>
+              </a:ext>
+            </a:extLst>
+          </p:cNvPr>
+          <p:cNvSpPr txBox="1"/>
+          <p:nvPr/>
+        </p:nvSpPr>
+        <p:spPr>
+          <a:xfrm>
+            <a:off x="0" y="6056201"/>
+            <a:ext cx="4158184" cy="261610"/>
+          </a:xfrm>
+          <a:prstGeom prst="rect">
+            <a:avLst/>
+          </a:prstGeom>
+          <a:noFill/>
+        </p:spPr>
+        <p:txBody>
+          <a:bodyPr wrap="square" rtlCol="0">
+            <a:spAutoFit/>
+          </a:bodyPr>
+          <a:lstStyle/>
+          <a:p>
+            <a:r>
+              <a:rPr lang="en-US" sz="1100" dirty="0"/>
+              <a:t>https://youtu.be/DQSrVFRg7k8?t=21</a:t>
+            </a:r>
+          </a:p>
+        </p:txBody>
+      </p:sp>
+      <p:pic>
+        <p:nvPicPr>
+          <p:cNvPr id="10" name="Online Media 9">
+            <a:hlinkClick r:id="" action="ppaction://media"/>
+            <a:extLst>
+              <a:ext uri="{FF2B5EF4-FFF2-40B4-BE49-F238E27FC236}">
+                <a16:creationId xmlns:a16="http://schemas.microsoft.com/office/drawing/2014/main" id="{41E3A484-EAED-40EE-BA43-D3F2EFFC6FC1}"/>
+              </a:ext>
+            </a:extLst>
+          </p:cNvPr>
+          <p:cNvPicPr>
+            <a:picLocks noGrp="1" noRot="1" noChangeAspect="1"/>
+          </p:cNvPicPr>
+          <p:nvPr>
+            <p:ph idx="1"/>
+            <a:videoFile r:link="rId1"/>
+          </p:nvPr>
+        </p:nvPicPr>
+        <p:blipFill>
+          <a:blip r:embed="rId3"/>
+          <a:stretch>
+            <a:fillRect/>
+          </a:stretch>
+        </p:blipFill>
+        <p:spPr>
+          <a:xfrm>
+            <a:off x="2379664" y="1806342"/>
+            <a:ext cx="7432671" cy="4180877"/>
+          </a:xfrm>
+          <a:prstGeom prst="rect">
+            <a:avLst/>
+          </a:prstGeom>
+        </p:spPr>
+      </p:pic>
+    </p:spTree>
+    <p:extLst>
+      <p:ext uri="{BB962C8B-B14F-4D97-AF65-F5344CB8AC3E}">
+        <p14:creationId xmlns:p14="http://schemas.microsoft.com/office/powerpoint/2010/main" val="3321009403"/>
+      </p:ext>
+    </p:extLst>
+  </p:cSld>
+  <p:clrMapOvr>
+    <a:masterClrMapping/>
+  </p:clrMapOvr>
+</p:sld>
+</file>
+
+<file path=ppt/slides/slide5.xml><?xml version="1.0" encoding="utf-8"?>
+<p:sld xmlns:a="http://schemas.openxmlformats.org/drawingml/2006/main" xmlns:r="http://schemas.openxmlformats.org/officeDocument/2006/relationships" xmlns:p="http://schemas.openxmlformats.org/presentationml/2006/main">
+  <p:cSld>
+    <p:spTree>
+      <p:nvGrpSpPr>
+        <p:cNvPr id="1" name=""/>
+        <p:cNvGrpSpPr/>
+        <p:nvPr/>
+      </p:nvGrpSpPr>
+      <p:grpSpPr>
+        <a:xfrm>
+          <a:off x="0" y="0"/>
+          <a:ext cx="0" cy="0"/>
+          <a:chOff x="0" y="0"/>
+          <a:chExt cx="0" cy="0"/>
+        </a:xfrm>
+      </p:grpSpPr>
+      <p:sp>
+        <p:nvSpPr>
+          <p:cNvPr id="2" name="Title 1">
+            <a:extLst>
+              <a:ext uri="{FF2B5EF4-FFF2-40B4-BE49-F238E27FC236}">
                 <a16:creationId xmlns:a16="http://schemas.microsoft.com/office/drawing/2014/main" id="{A7EBED71-5DB4-4CA1-84F3-9DF2253F25FA}"/>
               </a:ext>
             </a:extLst>
@@ -5254,11 +5535,17 @@
             <p:ph type="title"/>
           </p:nvPr>
         </p:nvSpPr>
-        <p:spPr/>
+        <p:spPr>
+          <a:xfrm>
+            <a:off x="455456" y="2513739"/>
+            <a:ext cx="3200400" cy="810927"/>
+          </a:xfrm>
+        </p:spPr>
         <p:txBody>
           <a:bodyPr/>
           <a:lstStyle/>
           <a:p>
+            <a:pPr algn="ctr"/>
             <a:r>
               <a:rPr lang="en-US" dirty="0"/>
               <a:t>Investigations</a:t>
@@ -5287,7 +5574,34 @@
           <a:bodyPr/>
           <a:lstStyle/>
           <a:p>
-            <a:endParaRPr lang="en-US"/>
+            <a:pPr>
+              <a:buFont typeface="Arial" panose="020B0604020202020204" pitchFamily="34" charset="0"/>
+              <a:buChar char="•"/>
+            </a:pPr>
+            <a:r>
+              <a:rPr lang="en-US" dirty="0"/>
+              <a:t> Following the accident the NTSB was tasked with determining what had happened</a:t>
+            </a:r>
+          </a:p>
+          <a:p>
+            <a:pPr>
+              <a:buFont typeface="Arial" panose="020B0604020202020204" pitchFamily="34" charset="0"/>
+              <a:buChar char="•"/>
+            </a:pPr>
+            <a:r>
+              <a:rPr lang="en-US" dirty="0"/>
+              <a:t> The initial witness interviews reported it as an act of aggression with both possibilities of a missile or explosive device on board</a:t>
+            </a:r>
+          </a:p>
+          <a:p>
+            <a:pPr>
+              <a:buFont typeface="Arial" panose="020B0604020202020204" pitchFamily="34" charset="0"/>
+              <a:buChar char="•"/>
+            </a:pPr>
+            <a:r>
+              <a:rPr lang="en-US" dirty="0"/>
+              <a:t> The FBI was tasked with taking over the investigation from the NTSB</a:t>
+            </a:r>
           </a:p>
         </p:txBody>
       </p:sp>
@@ -5307,15 +5621,174 @@
             <p:ph type="body" sz="half" idx="2"/>
           </p:nvPr>
         </p:nvSpPr>
-        <p:spPr/>
+        <p:spPr>
+          <a:xfrm>
+            <a:off x="455456" y="3370388"/>
+            <a:ext cx="3200400" cy="319009"/>
+          </a:xfrm>
+        </p:spPr>
         <p:txBody>
           <a:bodyPr/>
           <a:lstStyle/>
           <a:p>
-            <a:endParaRPr lang="en-US"/>
-          </a:p>
-        </p:txBody>
-      </p:sp>
+            <a:pPr algn="ctr"/>
+            <a:r>
+              <a:rPr lang="en-US" dirty="0"/>
+              <a:t>NTSB vs FBI</a:t>
+            </a:r>
+          </a:p>
+        </p:txBody>
+      </p:sp>
+      <p:pic>
+        <p:nvPicPr>
+          <p:cNvPr id="1026" name="Picture 2" descr="Image result for ntsb&quot;">
+            <a:extLst>
+              <a:ext uri="{FF2B5EF4-FFF2-40B4-BE49-F238E27FC236}">
+                <a16:creationId xmlns:a16="http://schemas.microsoft.com/office/drawing/2014/main" id="{6D670DAD-0B3E-4756-9BF2-76F790A693F9}"/>
+              </a:ext>
+            </a:extLst>
+          </p:cNvPr>
+          <p:cNvPicPr>
+            <a:picLocks noChangeAspect="1" noChangeArrowheads="1"/>
+          </p:cNvPicPr>
+          <p:nvPr/>
+        </p:nvPicPr>
+        <p:blipFill>
+          <a:blip r:embed="rId3">
+            <a:extLst>
+              <a:ext uri="{28A0092B-C50C-407E-A947-70E740481C1C}">
+                <a14:useLocalDpi xmlns:a14="http://schemas.microsoft.com/office/drawing/2010/main" val="0"/>
+              </a:ext>
+            </a:extLst>
+          </a:blip>
+          <a:srcRect/>
+          <a:stretch>
+            <a:fillRect/>
+          </a:stretch>
+        </p:blipFill>
+        <p:spPr bwMode="auto">
+          <a:xfrm>
+            <a:off x="1236674" y="324852"/>
+            <a:ext cx="1641451" cy="1641451"/>
+          </a:xfrm>
+          <a:prstGeom prst="rect">
+            <a:avLst/>
+          </a:prstGeom>
+          <a:noFill/>
+          <a:extLst>
+            <a:ext uri="{909E8E84-426E-40DD-AFC4-6F175D3DCCD1}">
+              <a14:hiddenFill xmlns:a14="http://schemas.microsoft.com/office/drawing/2010/main">
+                <a:solidFill>
+                  <a:srgbClr val="FFFFFF"/>
+                </a:solidFill>
+              </a14:hiddenFill>
+            </a:ext>
+          </a:extLst>
+        </p:spPr>
+      </p:pic>
+      <p:pic>
+        <p:nvPicPr>
+          <p:cNvPr id="1028" name="Picture 4" descr="Image result for FBI&quot;">
+            <a:extLst>
+              <a:ext uri="{FF2B5EF4-FFF2-40B4-BE49-F238E27FC236}">
+                <a16:creationId xmlns:a16="http://schemas.microsoft.com/office/drawing/2014/main" id="{45672340-43CC-462B-823A-7B7666FA84CB}"/>
+              </a:ext>
+            </a:extLst>
+          </p:cNvPr>
+          <p:cNvPicPr>
+            <a:picLocks noChangeAspect="1" noChangeArrowheads="1"/>
+          </p:cNvPicPr>
+          <p:nvPr/>
+        </p:nvPicPr>
+        <p:blipFill>
+          <a:blip r:embed="rId4">
+            <a:extLst>
+              <a:ext uri="{28A0092B-C50C-407E-A947-70E740481C1C}">
+                <a14:useLocalDpi xmlns:a14="http://schemas.microsoft.com/office/drawing/2010/main" val="0"/>
+              </a:ext>
+            </a:extLst>
+          </a:blip>
+          <a:srcRect/>
+          <a:stretch>
+            <a:fillRect/>
+          </a:stretch>
+        </p:blipFill>
+        <p:spPr bwMode="auto">
+          <a:xfrm>
+            <a:off x="1236674" y="4236834"/>
+            <a:ext cx="1637964" cy="1687173"/>
+          </a:xfrm>
+          <a:prstGeom prst="rect">
+            <a:avLst/>
+          </a:prstGeom>
+          <a:noFill/>
+          <a:extLst>
+            <a:ext uri="{909E8E84-426E-40DD-AFC4-6F175D3DCCD1}">
+              <a14:hiddenFill xmlns:a14="http://schemas.microsoft.com/office/drawing/2010/main">
+                <a:solidFill>
+                  <a:srgbClr val="FFFFFF"/>
+                </a:solidFill>
+              </a14:hiddenFill>
+            </a:ext>
+          </a:extLst>
+        </p:spPr>
+      </p:pic>
+      <p:pic>
+        <p:nvPicPr>
+          <p:cNvPr id="1030" name="Picture 6" descr="https://upload.wikimedia.org/wikipedia/commons/b/b1/Twa_800_fig_22c.PNG">
+            <a:extLst>
+              <a:ext uri="{FF2B5EF4-FFF2-40B4-BE49-F238E27FC236}">
+                <a16:creationId xmlns:a16="http://schemas.microsoft.com/office/drawing/2014/main" id="{28477B8C-54E7-472F-8D49-9C398EBB5C99}"/>
+              </a:ext>
+            </a:extLst>
+          </p:cNvPr>
+          <p:cNvPicPr>
+            <a:picLocks noChangeAspect="1" noChangeArrowheads="1"/>
+          </p:cNvPicPr>
+          <p:nvPr/>
+        </p:nvPicPr>
+        <p:blipFill>
+          <a:blip r:embed="rId5">
+            <a:extLst>
+              <a:ext uri="{28A0092B-C50C-407E-A947-70E740481C1C}">
+                <a14:useLocalDpi xmlns:a14="http://schemas.microsoft.com/office/drawing/2010/main" val="0"/>
+              </a:ext>
+            </a:extLst>
+          </a:blip>
+          <a:srcRect/>
+          <a:stretch>
+            <a:fillRect/>
+          </a:stretch>
+        </p:blipFill>
+        <p:spPr bwMode="auto">
+          <a:xfrm>
+            <a:off x="6332047" y="3529892"/>
+            <a:ext cx="3890139" cy="2658764"/>
+          </a:xfrm>
+          <a:prstGeom prst="rect">
+            <a:avLst/>
+          </a:prstGeom>
+          <a:ln>
+            <a:noFill/>
+          </a:ln>
+          <a:effectLst>
+            <a:outerShdw blurRad="190500" algn="tl" rotWithShape="0">
+              <a:srgbClr val="000000">
+                <a:alpha val="70000"/>
+              </a:srgbClr>
+            </a:outerShdw>
+          </a:effectLst>
+          <a:extLst>
+            <a:ext uri="{909E8E84-426E-40DD-AFC4-6F175D3DCCD1}">
+              <a14:hiddenFill xmlns:a14="http://schemas.microsoft.com/office/drawing/2010/main">
+                <a:solidFill>
+                  <a:srgbClr val="FFFFFF"/>
+                </a:solidFill>
+              </a14:hiddenFill>
+            </a:ext>
+          </a:extLst>
+        </p:spPr>
+      </p:pic>
     </p:spTree>
     <p:extLst>
       <p:ext uri="{BB962C8B-B14F-4D97-AF65-F5344CB8AC3E}">

--- a/CEC300/Stark_Presentation.pptx
+++ b/CEC300/Stark_Presentation.pptx
@@ -5,7 +5,7 @@
     <p:sldMasterId id="2147483648" r:id="rId1"/>
   </p:sldMasterIdLst>
   <p:notesMasterIdLst>
-    <p:notesMasterId r:id="rId7"/>
+    <p:notesMasterId r:id="rId8"/>
   </p:notesMasterIdLst>
   <p:sldIdLst>
     <p:sldId id="256" r:id="rId2"/>
@@ -13,6 +13,7 @@
     <p:sldId id="258" r:id="rId4"/>
     <p:sldId id="260" r:id="rId5"/>
     <p:sldId id="259" r:id="rId6"/>
+    <p:sldId id="261" r:id="rId7"/>
   </p:sldIdLst>
   <p:sldSz cx="12192000" cy="6858000"/>
   <p:notesSz cx="6858000" cy="9144000"/>
@@ -201,7 +202,7 @@
           <a:p>
             <a:fld id="{C1768EB4-BDE3-480F-B50A-8C1E950C0129}" type="datetimeFigureOut">
               <a:rPr lang="en-US" smtClean="0"/>
-              <a:t>10/29/2019</a:t>
+              <a:t>11/11/2019</a:t>
             </a:fld>
             <a:endParaRPr lang="en-US"/>
           </a:p>
@@ -810,6 +811,225 @@
 </p:notes>
 </file>
 
+<file path=ppt/notesSlides/notesSlide4.xml><?xml version="1.0" encoding="utf-8"?>
+<p:notes xmlns:a="http://schemas.openxmlformats.org/drawingml/2006/main" xmlns:r="http://schemas.openxmlformats.org/officeDocument/2006/relationships" xmlns:p="http://schemas.openxmlformats.org/presentationml/2006/main">
+  <p:cSld>
+    <p:spTree>
+      <p:nvGrpSpPr>
+        <p:cNvPr id="1" name=""/>
+        <p:cNvGrpSpPr/>
+        <p:nvPr/>
+      </p:nvGrpSpPr>
+      <p:grpSpPr>
+        <a:xfrm>
+          <a:off x="0" y="0"/>
+          <a:ext cx="0" cy="0"/>
+          <a:chOff x="0" y="0"/>
+          <a:chExt cx="0" cy="0"/>
+        </a:xfrm>
+      </p:grpSpPr>
+      <p:sp>
+        <p:nvSpPr>
+          <p:cNvPr id="2" name="Slide Image Placeholder 1"/>
+          <p:cNvSpPr>
+            <a:spLocks noGrp="1" noRot="1" noChangeAspect="1"/>
+          </p:cNvSpPr>
+          <p:nvPr>
+            <p:ph type="sldImg"/>
+          </p:nvPr>
+        </p:nvSpPr>
+        <p:spPr/>
+      </p:sp>
+      <p:sp>
+        <p:nvSpPr>
+          <p:cNvPr id="3" name="Notes Placeholder 2"/>
+          <p:cNvSpPr>
+            <a:spLocks noGrp="1"/>
+          </p:cNvSpPr>
+          <p:nvPr>
+            <p:ph type="body" idx="1"/>
+          </p:nvPr>
+        </p:nvSpPr>
+        <p:spPr/>
+        <p:txBody>
+          <a:bodyPr/>
+          <a:lstStyle/>
+          <a:p>
+            <a:pPr marL="171450" indent="-171450">
+              <a:buFont typeface="Arial" panose="020B0604020202020204" pitchFamily="34" charset="0"/>
+              <a:buChar char="•"/>
+            </a:pPr>
+            <a:r>
+              <a:rPr lang="en-US" dirty="0"/>
+              <a:t>Structural Failure and Decompression</a:t>
+            </a:r>
+          </a:p>
+          <a:p>
+            <a:pPr marL="628650" lvl="1" indent="-171450">
+              <a:buFont typeface="Arial" panose="020B0604020202020204" pitchFamily="34" charset="0"/>
+              <a:buChar char="•"/>
+            </a:pPr>
+            <a:r>
+              <a:rPr lang="en-US" dirty="0"/>
+              <a:t>Initial thoughts were it was a similar case to Turkish Flight 981 &amp; United Flight 811, where the forward cargo door separated from the aircraft during the flight</a:t>
+            </a:r>
+          </a:p>
+          <a:p>
+            <a:pPr marL="628650" lvl="1" indent="-171450">
+              <a:buFont typeface="Arial" panose="020B0604020202020204" pitchFamily="34" charset="0"/>
+              <a:buChar char="•"/>
+            </a:pPr>
+            <a:r>
+              <a:rPr lang="en-US" dirty="0"/>
+              <a:t>But no evidence of structural fatigue and the door was locked and closed</a:t>
+            </a:r>
+          </a:p>
+          <a:p>
+            <a:pPr marL="171450" indent="-171450">
+              <a:buFont typeface="Arial" panose="020B0604020202020204" pitchFamily="34" charset="0"/>
+              <a:buChar char="•"/>
+            </a:pPr>
+            <a:r>
+              <a:rPr lang="en-US" dirty="0"/>
+              <a:t>Missile or Bomb</a:t>
+            </a:r>
+          </a:p>
+          <a:p>
+            <a:pPr marL="628650" lvl="1" indent="-171450">
+              <a:buFont typeface="Arial" panose="020B0604020202020204" pitchFamily="34" charset="0"/>
+              <a:buChar char="•"/>
+            </a:pPr>
+            <a:r>
+              <a:rPr lang="en-US" dirty="0"/>
+              <a:t>Reviews of radar data show multiple objects within the area of the aircraft, but none show any indication of a connection in trajectories, which concluded no missiles made contact</a:t>
+            </a:r>
+          </a:p>
+          <a:p>
+            <a:pPr marL="628650" lvl="1" indent="-171450">
+              <a:buFont typeface="Arial" panose="020B0604020202020204" pitchFamily="34" charset="0"/>
+              <a:buChar char="•"/>
+            </a:pPr>
+            <a:r>
+              <a:rPr lang="en-US" dirty="0"/>
+              <a:t>Military surface records indicated no surface vehicles in the area of the explosion</a:t>
+            </a:r>
+          </a:p>
+          <a:p>
+            <a:pPr marL="628650" lvl="1" indent="-171450">
+              <a:buFont typeface="Arial" panose="020B0604020202020204" pitchFamily="34" charset="0"/>
+              <a:buChar char="•"/>
+            </a:pPr>
+            <a:r>
+              <a:rPr lang="en-US" dirty="0"/>
+              <a:t>Upon examination of the wreckage trace amounts of explosive residue were discovered but the NTSB concluded that source</a:t>
+            </a:r>
+          </a:p>
+          <a:p>
+            <a:pPr marL="1085850" lvl="2" indent="-171450">
+              <a:buFont typeface="Arial" panose="020B0604020202020204" pitchFamily="34" charset="0"/>
+              <a:buChar char="•"/>
+            </a:pPr>
+            <a:r>
+              <a:rPr lang="en-US" dirty="0"/>
+              <a:t>Could have been the 747’s prior life as a military transport in the Gulf war</a:t>
+            </a:r>
+          </a:p>
+          <a:p>
+            <a:pPr marL="1085850" lvl="2" indent="-171450">
+              <a:buFont typeface="Arial" panose="020B0604020202020204" pitchFamily="34" charset="0"/>
+              <a:buChar char="•"/>
+            </a:pPr>
+            <a:r>
+              <a:rPr lang="en-US" dirty="0"/>
+              <a:t>Or the military vessels it was transported back to DC on</a:t>
+            </a:r>
+          </a:p>
+          <a:p>
+            <a:pPr marL="171450" indent="-171450">
+              <a:buFont typeface="Arial" panose="020B0604020202020204" pitchFamily="34" charset="0"/>
+              <a:buChar char="•"/>
+            </a:pPr>
+            <a:r>
+              <a:rPr lang="en-US" dirty="0"/>
+              <a:t>Fuel-Air explosion</a:t>
+            </a:r>
+          </a:p>
+          <a:p>
+            <a:pPr marL="171450" indent="-171450">
+              <a:buFont typeface="Arial" panose="020B0604020202020204" pitchFamily="34" charset="0"/>
+              <a:buChar char="•"/>
+            </a:pPr>
+            <a:endParaRPr lang="en-US" dirty="0"/>
+          </a:p>
+          <a:p>
+            <a:pPr marL="171450" indent="-171450">
+              <a:buFont typeface="Arial" panose="020B0604020202020204" pitchFamily="34" charset="0"/>
+              <a:buChar char="•"/>
+            </a:pPr>
+            <a:r>
+              <a:rPr lang="en-US" dirty="0"/>
+              <a:t>Other Weather Related Causes</a:t>
+            </a:r>
+          </a:p>
+          <a:p>
+            <a:pPr marL="457200" lvl="1" indent="0">
+              <a:buFont typeface="Arial" panose="020B0604020202020204" pitchFamily="34" charset="0"/>
+              <a:buNone/>
+            </a:pPr>
+            <a:endParaRPr lang="en-US" dirty="0"/>
+          </a:p>
+          <a:p>
+            <a:pPr marL="457200" lvl="1" indent="0">
+              <a:buFont typeface="Arial" panose="020B0604020202020204" pitchFamily="34" charset="0"/>
+              <a:buNone/>
+            </a:pPr>
+            <a:endParaRPr lang="en-US" dirty="0"/>
+          </a:p>
+          <a:p>
+            <a:pPr marL="628650" lvl="1" indent="-171450">
+              <a:buFont typeface="Arial" panose="020B0604020202020204" pitchFamily="34" charset="0"/>
+              <a:buChar char="•"/>
+            </a:pPr>
+            <a:endParaRPr lang="en-US" dirty="0"/>
+          </a:p>
+        </p:txBody>
+      </p:sp>
+      <p:sp>
+        <p:nvSpPr>
+          <p:cNvPr id="4" name="Slide Number Placeholder 3"/>
+          <p:cNvSpPr>
+            <a:spLocks noGrp="1"/>
+          </p:cNvSpPr>
+          <p:nvPr>
+            <p:ph type="sldNum" sz="quarter" idx="5"/>
+          </p:nvPr>
+        </p:nvSpPr>
+        <p:spPr/>
+        <p:txBody>
+          <a:bodyPr/>
+          <a:lstStyle/>
+          <a:p>
+            <a:fld id="{81A8DCB4-F112-449C-8FC9-9957A995D8FF}" type="slidenum">
+              <a:rPr lang="en-US" smtClean="0"/>
+              <a:t>6</a:t>
+            </a:fld>
+            <a:endParaRPr lang="en-US"/>
+          </a:p>
+        </p:txBody>
+      </p:sp>
+    </p:spTree>
+    <p:extLst>
+      <p:ext uri="{BB962C8B-B14F-4D97-AF65-F5344CB8AC3E}">
+        <p14:creationId xmlns:p14="http://schemas.microsoft.com/office/powerpoint/2010/main" val="597751835"/>
+      </p:ext>
+    </p:extLst>
+  </p:cSld>
+  <p:clrMapOvr>
+    <a:masterClrMapping/>
+  </p:clrMapOvr>
+</p:notes>
+</file>
+
 <file path=ppt/slideLayouts/slideLayout1.xml><?xml version="1.0" encoding="utf-8"?>
 <p:sldLayout xmlns:a="http://schemas.openxmlformats.org/drawingml/2006/main" xmlns:r="http://schemas.openxmlformats.org/officeDocument/2006/relationships" xmlns:p="http://schemas.openxmlformats.org/presentationml/2006/main" showMasterSp="0" type="title" preserve="1">
   <p:cSld name="Title Slide">
@@ -1036,7 +1256,7 @@
           <a:p>
             <a:fld id="{96DFF08F-DC6B-4601-B491-B0F83F6DD2DA}" type="datetimeFigureOut">
               <a:rPr lang="en-US" dirty="0"/>
-              <a:t>10/29/2019</a:t>
+              <a:t>11/11/2019</a:t>
             </a:fld>
             <a:endParaRPr lang="en-US" dirty="0"/>
           </a:p>
@@ -1239,7 +1459,7 @@
           <a:p>
             <a:fld id="{96DFF08F-DC6B-4601-B491-B0F83F6DD2DA}" type="datetimeFigureOut">
               <a:rPr lang="en-US" dirty="0"/>
-              <a:t>10/29/2019</a:t>
+              <a:t>11/11/2019</a:t>
             </a:fld>
             <a:endParaRPr lang="en-US" dirty="0"/>
           </a:p>
@@ -1490,7 +1710,7 @@
           <a:p>
             <a:fld id="{96DFF08F-DC6B-4601-B491-B0F83F6DD2DA}" type="datetimeFigureOut">
               <a:rPr lang="en-US" dirty="0"/>
-              <a:t>10/29/2019</a:t>
+              <a:t>11/11/2019</a:t>
             </a:fld>
             <a:endParaRPr lang="en-US" dirty="0"/>
           </a:p>
@@ -1655,7 +1875,7 @@
           <a:p>
             <a:fld id="{D62CEF3B-A037-46D0-B02C-1428F07E9383}" type="datetimeFigureOut">
               <a:rPr lang="en-US" dirty="0"/>
-              <a:t>10/29/2019</a:t>
+              <a:t>11/11/2019</a:t>
             </a:fld>
             <a:endParaRPr lang="en-US" dirty="0"/>
           </a:p>
@@ -1993,7 +2213,7 @@
           <a:p>
             <a:fld id="{96DFF08F-DC6B-4601-B491-B0F83F6DD2DA}" type="datetimeFigureOut">
               <a:rPr lang="en-US" dirty="0"/>
-              <a:t>10/29/2019</a:t>
+              <a:t>11/11/2019</a:t>
             </a:fld>
             <a:endParaRPr lang="en-US" dirty="0"/>
           </a:p>
@@ -2263,7 +2483,7 @@
           <a:p>
             <a:fld id="{96DFF08F-DC6B-4601-B491-B0F83F6DD2DA}" type="datetimeFigureOut">
               <a:rPr lang="en-US" dirty="0"/>
-              <a:t>10/29/2019</a:t>
+              <a:t>11/11/2019</a:t>
             </a:fld>
             <a:endParaRPr lang="en-US" dirty="0"/>
           </a:p>
@@ -2637,7 +2857,7 @@
           <a:p>
             <a:fld id="{96DFF08F-DC6B-4601-B491-B0F83F6DD2DA}" type="datetimeFigureOut">
               <a:rPr lang="en-US" dirty="0"/>
-              <a:t>10/29/2019</a:t>
+              <a:t>11/11/2019</a:t>
             </a:fld>
             <a:endParaRPr lang="en-US" dirty="0"/>
           </a:p>
@@ -2750,7 +2970,7 @@
           <a:p>
             <a:fld id="{96DFF08F-DC6B-4601-B491-B0F83F6DD2DA}" type="datetimeFigureOut">
               <a:rPr lang="en-US" dirty="0"/>
-              <a:t>10/29/2019</a:t>
+              <a:t>11/11/2019</a:t>
             </a:fld>
             <a:endParaRPr lang="en-US" dirty="0"/>
           </a:p>
@@ -2917,7 +3137,7 @@
             <a:fld id="{96DFF08F-DC6B-4601-B491-B0F83F6DD2DA}" type="datetimeFigureOut">
               <a:rPr lang="en-US" dirty="0"/>
               <a:pPr/>
-              <a:t>10/29/2019</a:t>
+              <a:t>11/11/2019</a:t>
             </a:fld>
             <a:endParaRPr lang="en-US" dirty="0"/>
           </a:p>
@@ -3268,7 +3488,7 @@
             <a:fld id="{96DFF08F-DC6B-4601-B491-B0F83F6DD2DA}" type="datetimeFigureOut">
               <a:rPr lang="en-US" dirty="0"/>
               <a:pPr/>
-              <a:t>10/29/2019</a:t>
+              <a:t>11/11/2019</a:t>
             </a:fld>
             <a:endParaRPr lang="en-US" dirty="0"/>
           </a:p>
@@ -3641,7 +3861,7 @@
           <a:p>
             <a:fld id="{96DFF08F-DC6B-4601-B491-B0F83F6DD2DA}" type="datetimeFigureOut">
               <a:rPr lang="en-US" dirty="0"/>
-              <a:t>10/29/2019</a:t>
+              <a:t>11/11/2019</a:t>
             </a:fld>
             <a:endParaRPr lang="en-US" dirty="0"/>
           </a:p>
@@ -3924,7 +4144,7 @@
             <a:fld id="{96DFF08F-DC6B-4601-B491-B0F83F6DD2DA}" type="datetimeFigureOut">
               <a:rPr lang="en-US" dirty="0"/>
               <a:pPr/>
-              <a:t>10/29/2019</a:t>
+              <a:t>11/11/2019</a:t>
             </a:fld>
             <a:endParaRPr lang="en-US" dirty="0"/>
           </a:p>
@@ -5793,6 +6013,126 @@
     <p:extLst>
       <p:ext uri="{BB962C8B-B14F-4D97-AF65-F5344CB8AC3E}">
         <p14:creationId xmlns:p14="http://schemas.microsoft.com/office/powerpoint/2010/main" val="2379042490"/>
+      </p:ext>
+    </p:extLst>
+  </p:cSld>
+  <p:clrMapOvr>
+    <a:masterClrMapping/>
+  </p:clrMapOvr>
+</p:sld>
+</file>
+
+<file path=ppt/slides/slide6.xml><?xml version="1.0" encoding="utf-8"?>
+<p:sld xmlns:a="http://schemas.openxmlformats.org/drawingml/2006/main" xmlns:r="http://schemas.openxmlformats.org/officeDocument/2006/relationships" xmlns:p="http://schemas.openxmlformats.org/presentationml/2006/main">
+  <p:cSld>
+    <p:spTree>
+      <p:nvGrpSpPr>
+        <p:cNvPr id="1" name=""/>
+        <p:cNvGrpSpPr/>
+        <p:nvPr/>
+      </p:nvGrpSpPr>
+      <p:grpSpPr>
+        <a:xfrm>
+          <a:off x="0" y="0"/>
+          <a:ext cx="0" cy="0"/>
+          <a:chOff x="0" y="0"/>
+          <a:chExt cx="0" cy="0"/>
+        </a:xfrm>
+      </p:grpSpPr>
+      <p:sp>
+        <p:nvSpPr>
+          <p:cNvPr id="2" name="Title 1">
+            <a:extLst>
+              <a:ext uri="{FF2B5EF4-FFF2-40B4-BE49-F238E27FC236}">
+                <a16:creationId xmlns:a16="http://schemas.microsoft.com/office/drawing/2014/main" id="{AD633204-0944-43E9-B000-76DF48086717}"/>
+              </a:ext>
+            </a:extLst>
+          </p:cNvPr>
+          <p:cNvSpPr>
+            <a:spLocks noGrp="1"/>
+          </p:cNvSpPr>
+          <p:nvPr>
+            <p:ph type="title"/>
+          </p:nvPr>
+        </p:nvSpPr>
+        <p:spPr/>
+        <p:txBody>
+          <a:bodyPr/>
+          <a:lstStyle/>
+          <a:p>
+            <a:r>
+              <a:rPr lang="en-US" dirty="0"/>
+              <a:t>Possible Causes of the Crash</a:t>
+            </a:r>
+          </a:p>
+        </p:txBody>
+      </p:sp>
+      <p:sp>
+        <p:nvSpPr>
+          <p:cNvPr id="3" name="Content Placeholder 2">
+            <a:extLst>
+              <a:ext uri="{FF2B5EF4-FFF2-40B4-BE49-F238E27FC236}">
+                <a16:creationId xmlns:a16="http://schemas.microsoft.com/office/drawing/2014/main" id="{DE99058B-7C11-4957-9188-F38D8DA6201E}"/>
+              </a:ext>
+            </a:extLst>
+          </p:cNvPr>
+          <p:cNvSpPr>
+            <a:spLocks noGrp="1"/>
+          </p:cNvSpPr>
+          <p:nvPr>
+            <p:ph idx="1"/>
+          </p:nvPr>
+        </p:nvSpPr>
+        <p:spPr/>
+        <p:txBody>
+          <a:bodyPr/>
+          <a:lstStyle/>
+          <a:p>
+            <a:pPr>
+              <a:buFont typeface="Arial" panose="020B0604020202020204" pitchFamily="34" charset="0"/>
+              <a:buChar char="•"/>
+            </a:pPr>
+            <a:r>
+              <a:rPr lang="en-US" dirty="0"/>
+              <a:t> Structural Failure and Decompression</a:t>
+            </a:r>
+          </a:p>
+          <a:p>
+            <a:pPr>
+              <a:buFont typeface="Arial" panose="020B0604020202020204" pitchFamily="34" charset="0"/>
+              <a:buChar char="•"/>
+            </a:pPr>
+            <a:r>
+              <a:rPr lang="en-US" dirty="0"/>
+              <a:t> Live Missile Strike or Bomb Detonation</a:t>
+            </a:r>
+          </a:p>
+          <a:p>
+            <a:pPr>
+              <a:buFont typeface="Arial" panose="020B0604020202020204" pitchFamily="34" charset="0"/>
+              <a:buChar char="•"/>
+            </a:pPr>
+            <a:r>
+              <a:rPr lang="en-US" dirty="0"/>
+              <a:t> Fuel-Air Explosion in the Center Wing Fuel Tank</a:t>
+            </a:r>
+          </a:p>
+          <a:p>
+            <a:pPr>
+              <a:buFont typeface="Arial" panose="020B0604020202020204" pitchFamily="34" charset="0"/>
+              <a:buChar char="•"/>
+            </a:pPr>
+            <a:r>
+              <a:rPr lang="en-US" dirty="0"/>
+              <a:t> Other Weather Related causes</a:t>
+            </a:r>
+          </a:p>
+        </p:txBody>
+      </p:sp>
+    </p:spTree>
+    <p:extLst>
+      <p:ext uri="{BB962C8B-B14F-4D97-AF65-F5344CB8AC3E}">
+        <p14:creationId xmlns:p14="http://schemas.microsoft.com/office/powerpoint/2010/main" val="375799050"/>
       </p:ext>
     </p:extLst>
   </p:cSld>

--- a/CEC300/Stark_Presentation.pptx
+++ b/CEC300/Stark_Presentation.pptx
@@ -5,7 +5,7 @@
     <p:sldMasterId id="2147483648" r:id="rId1"/>
   </p:sldMasterIdLst>
   <p:notesMasterIdLst>
-    <p:notesMasterId r:id="rId8"/>
+    <p:notesMasterId r:id="rId11"/>
   </p:notesMasterIdLst>
   <p:sldIdLst>
     <p:sldId id="256" r:id="rId2"/>
@@ -14,6 +14,9 @@
     <p:sldId id="260" r:id="rId5"/>
     <p:sldId id="259" r:id="rId6"/>
     <p:sldId id="261" r:id="rId7"/>
+    <p:sldId id="262" r:id="rId8"/>
+    <p:sldId id="263" r:id="rId9"/>
+    <p:sldId id="264" r:id="rId10"/>
   </p:sldIdLst>
   <p:sldSz cx="12192000" cy="6858000"/>
   <p:notesSz cx="6858000" cy="9144000"/>
@@ -202,7 +205,7 @@
           <a:p>
             <a:fld id="{C1768EB4-BDE3-480F-B50A-8C1E950C0129}" type="datetimeFigureOut">
               <a:rPr lang="en-US" smtClean="0"/>
-              <a:t>11/11/2019</a:t>
+              <a:t>11/17/2019</a:t>
             </a:fld>
             <a:endParaRPr lang="en-US"/>
           </a:p>
@@ -951,7 +954,57 @@
             </a:pPr>
             <a:r>
               <a:rPr lang="en-US" dirty="0"/>
-              <a:t>Fuel-Air explosion</a:t>
+              <a:t>Fuel-Air explosion (Most probable even)</a:t>
+            </a:r>
+          </a:p>
+          <a:p>
+            <a:pPr marL="628650" lvl="1" indent="-171450">
+              <a:buFont typeface="Arial" panose="020B0604020202020204" pitchFamily="34" charset="0"/>
+              <a:buChar char="•"/>
+            </a:pPr>
+            <a:r>
+              <a:rPr lang="en-US" dirty="0"/>
+              <a:t>Heavy examination of the structure of the bottom of the aircraft found</a:t>
+            </a:r>
+          </a:p>
+          <a:p>
+            <a:pPr marL="1085850" lvl="2" indent="-171450">
+              <a:buFont typeface="Arial" panose="020B0604020202020204" pitchFamily="34" charset="0"/>
+              <a:buChar char="•"/>
+            </a:pPr>
+            <a:r>
+              <a:rPr lang="en-US" dirty="0"/>
+              <a:t>Evidence of fire burn on many pieces</a:t>
+            </a:r>
+          </a:p>
+          <a:p>
+            <a:pPr marL="1085850" lvl="2" indent="-171450">
+              <a:buFont typeface="Arial" panose="020B0604020202020204" pitchFamily="34" charset="0"/>
+              <a:buChar char="•"/>
+            </a:pPr>
+            <a:r>
+              <a:rPr lang="en-US" dirty="0"/>
+              <a:t>Fractures in the wing and bottom, consistent with an overpressure event</a:t>
+            </a:r>
+          </a:p>
+          <a:p>
+            <a:pPr marL="1085850" lvl="2" indent="-171450">
+              <a:buFont typeface="Arial" panose="020B0604020202020204" pitchFamily="34" charset="0"/>
+              <a:buChar char="•"/>
+            </a:pPr>
+            <a:r>
+              <a:rPr lang="en-US" dirty="0"/>
+              <a:t>The fuel tank in prior flights had issues with its sensors to prevent overfilling</a:t>
+            </a:r>
+          </a:p>
+          <a:p>
+            <a:pPr marL="1085850" lvl="2" indent="-171450">
+              <a:buFont typeface="Arial" panose="020B0604020202020204" pitchFamily="34" charset="0"/>
+              <a:buChar char="•"/>
+            </a:pPr>
+            <a:r>
+              <a:rPr lang="en-US" dirty="0"/>
+              <a:t>During the flight the pressure in the tank rose, and was triggered by what could possibly be a simple short in a wire to trigger the detonation</a:t>
             </a:r>
           </a:p>
           <a:p>
@@ -972,6 +1025,16 @@
             </a:r>
           </a:p>
           <a:p>
+            <a:pPr marL="628650" lvl="1" indent="-171450">
+              <a:buFont typeface="Arial" panose="020B0604020202020204" pitchFamily="34" charset="0"/>
+              <a:buChar char="•"/>
+            </a:pPr>
+            <a:r>
+              <a:rPr lang="en-US" dirty="0"/>
+              <a:t>The ideas of lightning strikes and storms were quickly ruled out because of the existing weather data on the day and time of the crash</a:t>
+            </a:r>
+          </a:p>
+          <a:p>
             <a:pPr marL="457200" lvl="1" indent="0">
               <a:buFont typeface="Arial" panose="020B0604020202020204" pitchFamily="34" charset="0"/>
               <a:buNone/>
@@ -1021,6 +1084,93 @@
     <p:extLst>
       <p:ext uri="{BB962C8B-B14F-4D97-AF65-F5344CB8AC3E}">
         <p14:creationId xmlns:p14="http://schemas.microsoft.com/office/powerpoint/2010/main" val="597751835"/>
+      </p:ext>
+    </p:extLst>
+  </p:cSld>
+  <p:clrMapOvr>
+    <a:masterClrMapping/>
+  </p:clrMapOvr>
+</p:notes>
+</file>
+
+<file path=ppt/notesSlides/notesSlide5.xml><?xml version="1.0" encoding="utf-8"?>
+<p:notes xmlns:a="http://schemas.openxmlformats.org/drawingml/2006/main" xmlns:r="http://schemas.openxmlformats.org/officeDocument/2006/relationships" xmlns:p="http://schemas.openxmlformats.org/presentationml/2006/main">
+  <p:cSld>
+    <p:spTree>
+      <p:nvGrpSpPr>
+        <p:cNvPr id="1" name=""/>
+        <p:cNvGrpSpPr/>
+        <p:nvPr/>
+      </p:nvGrpSpPr>
+      <p:grpSpPr>
+        <a:xfrm>
+          <a:off x="0" y="0"/>
+          <a:ext cx="0" cy="0"/>
+          <a:chOff x="0" y="0"/>
+          <a:chExt cx="0" cy="0"/>
+        </a:xfrm>
+      </p:grpSpPr>
+      <p:sp>
+        <p:nvSpPr>
+          <p:cNvPr id="2" name="Slide Image Placeholder 1"/>
+          <p:cNvSpPr>
+            <a:spLocks noGrp="1" noRot="1" noChangeAspect="1"/>
+          </p:cNvSpPr>
+          <p:nvPr>
+            <p:ph type="sldImg"/>
+          </p:nvPr>
+        </p:nvSpPr>
+        <p:spPr/>
+      </p:sp>
+      <p:sp>
+        <p:nvSpPr>
+          <p:cNvPr id="3" name="Notes Placeholder 2"/>
+          <p:cNvSpPr>
+            <a:spLocks noGrp="1"/>
+          </p:cNvSpPr>
+          <p:nvPr>
+            <p:ph type="body" idx="1"/>
+          </p:nvPr>
+        </p:nvSpPr>
+        <p:spPr/>
+        <p:txBody>
+          <a:bodyPr/>
+          <a:lstStyle/>
+          <a:p>
+            <a:r>
+              <a:rPr lang="en-US" dirty="0"/>
+              <a:t>Stated that after an accident the NTSB will have full control of the investigation until the time that evidence of criminal activity is uncovered.</a:t>
+            </a:r>
+          </a:p>
+        </p:txBody>
+      </p:sp>
+      <p:sp>
+        <p:nvSpPr>
+          <p:cNvPr id="4" name="Slide Number Placeholder 3"/>
+          <p:cNvSpPr>
+            <a:spLocks noGrp="1"/>
+          </p:cNvSpPr>
+          <p:nvPr>
+            <p:ph type="sldNum" sz="quarter" idx="5"/>
+          </p:nvPr>
+        </p:nvSpPr>
+        <p:spPr/>
+        <p:txBody>
+          <a:bodyPr/>
+          <a:lstStyle/>
+          <a:p>
+            <a:fld id="{81A8DCB4-F112-449C-8FC9-9957A995D8FF}" type="slidenum">
+              <a:rPr lang="en-US" smtClean="0"/>
+              <a:t>8</a:t>
+            </a:fld>
+            <a:endParaRPr lang="en-US"/>
+          </a:p>
+        </p:txBody>
+      </p:sp>
+    </p:spTree>
+    <p:extLst>
+      <p:ext uri="{BB962C8B-B14F-4D97-AF65-F5344CB8AC3E}">
+        <p14:creationId xmlns:p14="http://schemas.microsoft.com/office/powerpoint/2010/main" val="3646848593"/>
       </p:ext>
     </p:extLst>
   </p:cSld>
@@ -1256,7 +1406,7 @@
           <a:p>
             <a:fld id="{96DFF08F-DC6B-4601-B491-B0F83F6DD2DA}" type="datetimeFigureOut">
               <a:rPr lang="en-US" dirty="0"/>
-              <a:t>11/11/2019</a:t>
+              <a:t>11/17/2019</a:t>
             </a:fld>
             <a:endParaRPr lang="en-US" dirty="0"/>
           </a:p>
@@ -1459,7 +1609,7 @@
           <a:p>
             <a:fld id="{96DFF08F-DC6B-4601-B491-B0F83F6DD2DA}" type="datetimeFigureOut">
               <a:rPr lang="en-US" dirty="0"/>
-              <a:t>11/11/2019</a:t>
+              <a:t>11/17/2019</a:t>
             </a:fld>
             <a:endParaRPr lang="en-US" dirty="0"/>
           </a:p>
@@ -1710,7 +1860,7 @@
           <a:p>
             <a:fld id="{96DFF08F-DC6B-4601-B491-B0F83F6DD2DA}" type="datetimeFigureOut">
               <a:rPr lang="en-US" dirty="0"/>
-              <a:t>11/11/2019</a:t>
+              <a:t>11/17/2019</a:t>
             </a:fld>
             <a:endParaRPr lang="en-US" dirty="0"/>
           </a:p>
@@ -1875,7 +2025,7 @@
           <a:p>
             <a:fld id="{D62CEF3B-A037-46D0-B02C-1428F07E9383}" type="datetimeFigureOut">
               <a:rPr lang="en-US" dirty="0"/>
-              <a:t>11/11/2019</a:t>
+              <a:t>11/17/2019</a:t>
             </a:fld>
             <a:endParaRPr lang="en-US" dirty="0"/>
           </a:p>
@@ -2213,7 +2363,7 @@
           <a:p>
             <a:fld id="{96DFF08F-DC6B-4601-B491-B0F83F6DD2DA}" type="datetimeFigureOut">
               <a:rPr lang="en-US" dirty="0"/>
-              <a:t>11/11/2019</a:t>
+              <a:t>11/17/2019</a:t>
             </a:fld>
             <a:endParaRPr lang="en-US" dirty="0"/>
           </a:p>
@@ -2483,7 +2633,7 @@
           <a:p>
             <a:fld id="{96DFF08F-DC6B-4601-B491-B0F83F6DD2DA}" type="datetimeFigureOut">
               <a:rPr lang="en-US" dirty="0"/>
-              <a:t>11/11/2019</a:t>
+              <a:t>11/17/2019</a:t>
             </a:fld>
             <a:endParaRPr lang="en-US" dirty="0"/>
           </a:p>
@@ -2857,7 +3007,7 @@
           <a:p>
             <a:fld id="{96DFF08F-DC6B-4601-B491-B0F83F6DD2DA}" type="datetimeFigureOut">
               <a:rPr lang="en-US" dirty="0"/>
-              <a:t>11/11/2019</a:t>
+              <a:t>11/17/2019</a:t>
             </a:fld>
             <a:endParaRPr lang="en-US" dirty="0"/>
           </a:p>
@@ -2970,7 +3120,7 @@
           <a:p>
             <a:fld id="{96DFF08F-DC6B-4601-B491-B0F83F6DD2DA}" type="datetimeFigureOut">
               <a:rPr lang="en-US" dirty="0"/>
-              <a:t>11/11/2019</a:t>
+              <a:t>11/17/2019</a:t>
             </a:fld>
             <a:endParaRPr lang="en-US" dirty="0"/>
           </a:p>
@@ -3137,7 +3287,7 @@
             <a:fld id="{96DFF08F-DC6B-4601-B491-B0F83F6DD2DA}" type="datetimeFigureOut">
               <a:rPr lang="en-US" dirty="0"/>
               <a:pPr/>
-              <a:t>11/11/2019</a:t>
+              <a:t>11/17/2019</a:t>
             </a:fld>
             <a:endParaRPr lang="en-US" dirty="0"/>
           </a:p>
@@ -3488,7 +3638,7 @@
             <a:fld id="{96DFF08F-DC6B-4601-B491-B0F83F6DD2DA}" type="datetimeFigureOut">
               <a:rPr lang="en-US" dirty="0"/>
               <a:pPr/>
-              <a:t>11/11/2019</a:t>
+              <a:t>11/17/2019</a:t>
             </a:fld>
             <a:endParaRPr lang="en-US" dirty="0"/>
           </a:p>
@@ -3861,7 +4011,7 @@
           <a:p>
             <a:fld id="{96DFF08F-DC6B-4601-B491-B0F83F6DD2DA}" type="datetimeFigureOut">
               <a:rPr lang="en-US" dirty="0"/>
-              <a:t>11/11/2019</a:t>
+              <a:t>11/17/2019</a:t>
             </a:fld>
             <a:endParaRPr lang="en-US" dirty="0"/>
           </a:p>
@@ -4144,7 +4294,7 @@
             <a:fld id="{96DFF08F-DC6B-4601-B491-B0F83F6DD2DA}" type="datetimeFigureOut">
               <a:rPr lang="en-US" dirty="0"/>
               <a:pPr/>
-              <a:t>11/11/2019</a:t>
+              <a:t>11/17/2019</a:t>
             </a:fld>
             <a:endParaRPr lang="en-US" dirty="0"/>
           </a:p>
@@ -6133,6 +6283,280 @@
     <p:extLst>
       <p:ext uri="{BB962C8B-B14F-4D97-AF65-F5344CB8AC3E}">
         <p14:creationId xmlns:p14="http://schemas.microsoft.com/office/powerpoint/2010/main" val="375799050"/>
+      </p:ext>
+    </p:extLst>
+  </p:cSld>
+  <p:clrMapOvr>
+    <a:masterClrMapping/>
+  </p:clrMapOvr>
+</p:sld>
+</file>
+
+<file path=ppt/slides/slide7.xml><?xml version="1.0" encoding="utf-8"?>
+<p:sld xmlns:a="http://schemas.openxmlformats.org/drawingml/2006/main" xmlns:r="http://schemas.openxmlformats.org/officeDocument/2006/relationships" xmlns:p="http://schemas.openxmlformats.org/presentationml/2006/main">
+  <p:cSld>
+    <p:spTree>
+      <p:nvGrpSpPr>
+        <p:cNvPr id="1" name=""/>
+        <p:cNvGrpSpPr/>
+        <p:nvPr/>
+      </p:nvGrpSpPr>
+      <p:grpSpPr>
+        <a:xfrm>
+          <a:off x="0" y="0"/>
+          <a:ext cx="0" cy="0"/>
+          <a:chOff x="0" y="0"/>
+          <a:chExt cx="0" cy="0"/>
+        </a:xfrm>
+      </p:grpSpPr>
+      <p:sp>
+        <p:nvSpPr>
+          <p:cNvPr id="2" name="Title 1">
+            <a:extLst>
+              <a:ext uri="{FF2B5EF4-FFF2-40B4-BE49-F238E27FC236}">
+                <a16:creationId xmlns:a16="http://schemas.microsoft.com/office/drawing/2014/main" id="{9EFB1A6C-FDB6-4412-9FB7-18B679AFE9CA}"/>
+              </a:ext>
+            </a:extLst>
+          </p:cNvPr>
+          <p:cNvSpPr>
+            <a:spLocks noGrp="1"/>
+          </p:cNvSpPr>
+          <p:nvPr>
+            <p:ph type="title"/>
+          </p:nvPr>
+        </p:nvSpPr>
+        <p:spPr/>
+        <p:txBody>
+          <a:bodyPr/>
+          <a:lstStyle/>
+          <a:p>
+            <a:r>
+              <a:rPr lang="en-US" dirty="0"/>
+              <a:t>Conclusion of the Investigation</a:t>
+            </a:r>
+          </a:p>
+        </p:txBody>
+      </p:sp>
+      <p:sp>
+        <p:nvSpPr>
+          <p:cNvPr id="3" name="Content Placeholder 2">
+            <a:extLst>
+              <a:ext uri="{FF2B5EF4-FFF2-40B4-BE49-F238E27FC236}">
+                <a16:creationId xmlns:a16="http://schemas.microsoft.com/office/drawing/2014/main" id="{A51D471D-2E7B-4858-9976-4CBC9919A1E9}"/>
+              </a:ext>
+            </a:extLst>
+          </p:cNvPr>
+          <p:cNvSpPr>
+            <a:spLocks noGrp="1"/>
+          </p:cNvSpPr>
+          <p:nvPr>
+            <p:ph idx="1"/>
+          </p:nvPr>
+        </p:nvSpPr>
+        <p:spPr/>
+        <p:txBody>
+          <a:bodyPr/>
+          <a:lstStyle/>
+          <a:p>
+            <a:pPr>
+              <a:buFont typeface="Arial" panose="020B0604020202020204" pitchFamily="34" charset="0"/>
+              <a:buChar char="•"/>
+            </a:pPr>
+            <a:r>
+              <a:rPr lang="en-US" dirty="0"/>
+              <a:t> NTSB reported the cause was a fuel air explosion of the center wing fuel tank that caused a cascading effect leading to the in-flight breakup of the aircraft</a:t>
+            </a:r>
+          </a:p>
+          <a:p>
+            <a:pPr>
+              <a:buFont typeface="Arial" panose="020B0604020202020204" pitchFamily="34" charset="0"/>
+              <a:buChar char="•"/>
+            </a:pPr>
+            <a:r>
+              <a:rPr lang="en-US" dirty="0"/>
+              <a:t> Future implications</a:t>
+            </a:r>
+          </a:p>
+          <a:p>
+            <a:pPr lvl="1">
+              <a:buFont typeface="Arial" panose="020B0604020202020204" pitchFamily="34" charset="0"/>
+              <a:buChar char="•"/>
+            </a:pPr>
+            <a:r>
+              <a:rPr lang="en-US" dirty="0"/>
+              <a:t>The design and certification of fuel tanks</a:t>
+            </a:r>
+          </a:p>
+          <a:p>
+            <a:pPr lvl="1">
+              <a:buFont typeface="Arial" panose="020B0604020202020204" pitchFamily="34" charset="0"/>
+              <a:buChar char="•"/>
+            </a:pPr>
+            <a:r>
+              <a:rPr lang="en-US" dirty="0"/>
+              <a:t>The certification of the 747 in regards of the heat control near fuel tanks</a:t>
+            </a:r>
+          </a:p>
+          <a:p>
+            <a:pPr marL="201168" lvl="1" indent="0">
+              <a:buNone/>
+            </a:pPr>
+            <a:endParaRPr lang="en-US" dirty="0"/>
+          </a:p>
+        </p:txBody>
+      </p:sp>
+    </p:spTree>
+    <p:extLst>
+      <p:ext uri="{BB962C8B-B14F-4D97-AF65-F5344CB8AC3E}">
+        <p14:creationId xmlns:p14="http://schemas.microsoft.com/office/powerpoint/2010/main" val="639794071"/>
+      </p:ext>
+    </p:extLst>
+  </p:cSld>
+  <p:clrMapOvr>
+    <a:masterClrMapping/>
+  </p:clrMapOvr>
+</p:sld>
+</file>
+
+<file path=ppt/slides/slide8.xml><?xml version="1.0" encoding="utf-8"?>
+<p:sld xmlns:a="http://schemas.openxmlformats.org/drawingml/2006/main" xmlns:r="http://schemas.openxmlformats.org/officeDocument/2006/relationships" xmlns:p="http://schemas.openxmlformats.org/presentationml/2006/main">
+  <p:cSld>
+    <p:spTree>
+      <p:nvGrpSpPr>
+        <p:cNvPr id="1" name=""/>
+        <p:cNvGrpSpPr/>
+        <p:nvPr/>
+      </p:nvGrpSpPr>
+      <p:grpSpPr>
+        <a:xfrm>
+          <a:off x="0" y="0"/>
+          <a:ext cx="0" cy="0"/>
+          <a:chOff x="0" y="0"/>
+          <a:chExt cx="0" cy="0"/>
+        </a:xfrm>
+      </p:grpSpPr>
+      <p:sp>
+        <p:nvSpPr>
+          <p:cNvPr id="2" name="Title 1">
+            <a:extLst>
+              <a:ext uri="{FF2B5EF4-FFF2-40B4-BE49-F238E27FC236}">
+                <a16:creationId xmlns:a16="http://schemas.microsoft.com/office/drawing/2014/main" id="{2F364A2C-4E19-4C76-BF6D-2D3BBDFAD776}"/>
+              </a:ext>
+            </a:extLst>
+          </p:cNvPr>
+          <p:cNvSpPr>
+            <a:spLocks noGrp="1"/>
+          </p:cNvSpPr>
+          <p:nvPr>
+            <p:ph type="title"/>
+          </p:nvPr>
+        </p:nvSpPr>
+        <p:spPr/>
+        <p:txBody>
+          <a:bodyPr/>
+          <a:lstStyle/>
+          <a:p>
+            <a:r>
+              <a:rPr lang="en-US" dirty="0"/>
+              <a:t>Aftermath</a:t>
+            </a:r>
+          </a:p>
+        </p:txBody>
+      </p:sp>
+      <p:sp>
+        <p:nvSpPr>
+          <p:cNvPr id="3" name="Content Placeholder 2">
+            <a:extLst>
+              <a:ext uri="{FF2B5EF4-FFF2-40B4-BE49-F238E27FC236}">
+                <a16:creationId xmlns:a16="http://schemas.microsoft.com/office/drawing/2014/main" id="{F135E80B-EFEF-401D-978D-57848F17095B}"/>
+              </a:ext>
+            </a:extLst>
+          </p:cNvPr>
+          <p:cNvSpPr>
+            <a:spLocks noGrp="1"/>
+          </p:cNvSpPr>
+          <p:nvPr>
+            <p:ph idx="1"/>
+          </p:nvPr>
+        </p:nvSpPr>
+        <p:spPr/>
+        <p:txBody>
+          <a:bodyPr/>
+          <a:lstStyle/>
+          <a:p>
+            <a:pPr>
+              <a:buFont typeface="Arial" panose="020B0604020202020204" pitchFamily="34" charset="0"/>
+              <a:buChar char="•"/>
+            </a:pPr>
+            <a:r>
+              <a:rPr lang="en-US" dirty="0"/>
+              <a:t> A new Federal Regulation 831.5</a:t>
+            </a:r>
+          </a:p>
+        </p:txBody>
+      </p:sp>
+    </p:spTree>
+    <p:extLst>
+      <p:ext uri="{BB962C8B-B14F-4D97-AF65-F5344CB8AC3E}">
+        <p14:creationId xmlns:p14="http://schemas.microsoft.com/office/powerpoint/2010/main" val="228288083"/>
+      </p:ext>
+    </p:extLst>
+  </p:cSld>
+  <p:clrMapOvr>
+    <a:masterClrMapping/>
+  </p:clrMapOvr>
+</p:sld>
+</file>
+
+<file path=ppt/slides/slide9.xml><?xml version="1.0" encoding="utf-8"?>
+<p:sld xmlns:a="http://schemas.openxmlformats.org/drawingml/2006/main" xmlns:r="http://schemas.openxmlformats.org/officeDocument/2006/relationships" xmlns:p="http://schemas.openxmlformats.org/presentationml/2006/main">
+  <p:cSld>
+    <p:spTree>
+      <p:nvGrpSpPr>
+        <p:cNvPr id="1" name=""/>
+        <p:cNvGrpSpPr/>
+        <p:nvPr/>
+      </p:nvGrpSpPr>
+      <p:grpSpPr>
+        <a:xfrm>
+          <a:off x="0" y="0"/>
+          <a:ext cx="0" cy="0"/>
+          <a:chOff x="0" y="0"/>
+          <a:chExt cx="0" cy="0"/>
+        </a:xfrm>
+      </p:grpSpPr>
+      <p:sp>
+        <p:nvSpPr>
+          <p:cNvPr id="2" name="Title 1">
+            <a:extLst>
+              <a:ext uri="{FF2B5EF4-FFF2-40B4-BE49-F238E27FC236}">
+                <a16:creationId xmlns:a16="http://schemas.microsoft.com/office/drawing/2014/main" id="{204E8244-DC2E-48B3-8415-BB88A5C75A80}"/>
+              </a:ext>
+            </a:extLst>
+          </p:cNvPr>
+          <p:cNvSpPr>
+            <a:spLocks noGrp="1"/>
+          </p:cNvSpPr>
+          <p:nvPr>
+            <p:ph type="title"/>
+          </p:nvPr>
+        </p:nvSpPr>
+        <p:spPr/>
+        <p:txBody>
+          <a:bodyPr/>
+          <a:lstStyle/>
+          <a:p>
+            <a:r>
+              <a:rPr lang="en-US" dirty="0"/>
+              <a:t>Questions?</a:t>
+            </a:r>
+          </a:p>
+        </p:txBody>
+      </p:sp>
+    </p:spTree>
+    <p:extLst>
+      <p:ext uri="{BB962C8B-B14F-4D97-AF65-F5344CB8AC3E}">
+        <p14:creationId xmlns:p14="http://schemas.microsoft.com/office/powerpoint/2010/main" val="1816479092"/>
       </p:ext>
     </p:extLst>
   </p:cSld>
